--- a/Presentations/Proposal.pptx
+++ b/Presentations/Proposal.pptx
@@ -1,20 +1,20 @@
 
 <file path=ppt/presentation.xml><?xml version="1.0" encoding="utf-8"?>
-<p:presentation xmlns:a="http://schemas.openxmlformats.org/drawingml/2006/main" xmlns:r="http://schemas.openxmlformats.org/officeDocument/2006/relationships" xmlns:p="http://schemas.openxmlformats.org/presentationml/2006/main" saveSubsetFonts="1">
+<p:presentation xmlns:a="http://schemas.openxmlformats.org/drawingml/2006/main" xmlns:r="http://schemas.openxmlformats.org/officeDocument/2006/relationships" xmlns:p="http://schemas.openxmlformats.org/presentationml/2006/main">
   <p:sldMasterIdLst>
-    <p:sldMasterId id="2147483672" r:id="rId1"/>
+    <p:sldMasterId id="2147483648" r:id="rId1"/>
   </p:sldMasterIdLst>
   <p:notesMasterIdLst>
-    <p:notesMasterId r:id="rId9"/>
+    <p:notesMasterId r:id="rId8"/>
   </p:notesMasterIdLst>
   <p:sldIdLst>
-    <p:sldId id="256" r:id="rId2"/>
-    <p:sldId id="263" r:id="rId3"/>
-    <p:sldId id="257" r:id="rId4"/>
-    <p:sldId id="258" r:id="rId5"/>
-    <p:sldId id="259" r:id="rId6"/>
-    <p:sldId id="261" r:id="rId7"/>
-    <p:sldId id="262" r:id="rId8"/>
+    <p:sldId id="256" r:id="rId3"/>
+    <p:sldId id="263" r:id="rId4"/>
+    <p:sldId id="257" r:id="rId5"/>
+    <p:sldId id="258" r:id="rId6"/>
+    <p:sldId id="259" r:id="rId7"/>
+    <p:sldId id="261" r:id="rId9"/>
+    <p:sldId id="262" r:id="rId10"/>
   </p:sldIdLst>
   <p:sldSz cx="12192000" cy="6858000"/>
   <p:notesSz cx="6858000" cy="9144000"/>
@@ -113,22 +113,7 @@
       </a:defRPr>
     </a:lvl9pPr>
   </p:defaultTextStyle>
-  <p:extLst>
-    <p:ext uri="{EFAFB233-063F-42B5-8137-9DF3F51BA10A}">
-      <p15:sldGuideLst xmlns:p15="http://schemas.microsoft.com/office/powerpoint/2012/main"/>
-    </p:ext>
-  </p:extLst>
 </p:presentation>
-</file>
-
-<file path=ppt/revisionInfo.xml><?xml version="1.0" encoding="utf-8"?>
-<p1510:revInfo xmlns:a="http://schemas.openxmlformats.org/drawingml/2006/main" xmlns:r="http://schemas.openxmlformats.org/officeDocument/2006/relationships" xmlns:p1510="http://schemas.microsoft.com/office/powerpoint/2015/10/main">
-  <p1510:revLst>
-    <p1510:client id="{4D9B0969-0C44-43EF-889E-32B938085FA6}" v="28" dt="2020-05-11T05:24:57.646"/>
-    <p1510:client id="{A13E077E-2001-4E4E-B7C7-D30854304682}" v="1132" dt="2020-05-11T05:52:38.737"/>
-    <p1510:client id="{C2F3B58B-BB44-41AE-B205-B6C62E801C5D}" v="374" dt="2020-05-11T05:39:05.636"/>
-  </p1510:revLst>
-</p1510:revInfo>
 </file>
 
 <file path=ppt/notesMasters/notesMaster1.xml><?xml version="1.0" encoding="utf-8"?>
@@ -213,7 +198,6 @@
           <a:p>
             <a:fld id="{813A0A7A-E345-4055-B76E-47B5CF084559}" type="datetimeFigureOut">
               <a:rPr lang="en-US"/>
-              <a:t>5/10/2020</a:t>
             </a:fld>
             <a:endParaRPr lang="en-US"/>
           </a:p>
@@ -280,6 +264,7 @@
               <a:rPr lang="en-US"/>
               <a:t>Click to edit Master text styles</a:t>
             </a:r>
+            <a:endParaRPr lang="en-US"/>
           </a:p>
           <a:p>
             <a:pPr lvl="1"/>
@@ -287,6 +272,7 @@
               <a:rPr lang="en-US"/>
               <a:t>Second level</a:t>
             </a:r>
+            <a:endParaRPr lang="en-US"/>
           </a:p>
           <a:p>
             <a:pPr lvl="2"/>
@@ -294,6 +280,7 @@
               <a:rPr lang="en-US"/>
               <a:t>Third level</a:t>
             </a:r>
+            <a:endParaRPr lang="en-US"/>
           </a:p>
           <a:p>
             <a:pPr lvl="3"/>
@@ -301,6 +288,7 @@
               <a:rPr lang="en-US"/>
               <a:t>Fourth level</a:t>
             </a:r>
+            <a:endParaRPr lang="en-US"/>
           </a:p>
           <a:p>
             <a:pPr lvl="4"/>
@@ -308,6 +296,7 @@
               <a:rPr lang="en-US"/>
               <a:t>Fifth level</a:t>
             </a:r>
+            <a:endParaRPr lang="en-US"/>
           </a:p>
         </p:txBody>
       </p:sp>
@@ -371,18 +360,12 @@
           <a:p>
             <a:fld id="{55722BE5-57AA-451B-8B85-B1F747DB0733}" type="slidenum">
               <a:rPr lang="en-US"/>
-              <a:t>‹#›</a:t>
             </a:fld>
             <a:endParaRPr lang="en-US"/>
           </a:p>
         </p:txBody>
       </p:sp>
     </p:spTree>
-    <p:extLst>
-      <p:ext uri="{BB962C8B-B14F-4D97-AF65-F5344CB8AC3E}">
-        <p14:creationId xmlns:p14="http://schemas.microsoft.com/office/powerpoint/2010/main" val="1214275890"/>
-      </p:ext>
-    </p:extLst>
   </p:cSld>
   <p:clrMap bg1="lt1" tx1="dk1" bg2="lt2" tx2="dk2" accent1="accent1" accent2="accent2" accent3="accent3" accent4="accent4" accent5="accent5" accent6="accent6" hlink="hlink" folHlink="folHlink"/>
   <p:notesStyle>
@@ -489,6 +472,50 @@
         <p:cNvGrpSpPr/>
         <p:nvPr/>
       </p:nvGrpSpPr>
+      <p:grpSpPr/>
+      <p:sp>
+        <p:nvSpPr>
+          <p:cNvPr id="2" name="Slide Image Placeholder 1"/>
+          <p:cNvSpPr/>
+          <p:nvPr>
+            <p:ph type="sldImg" idx="2"/>
+          </p:nvPr>
+        </p:nvSpPr>
+        <p:spPr/>
+      </p:sp>
+      <p:sp>
+        <p:nvSpPr>
+          <p:cNvPr id="3" name="Text Placeholder 2"/>
+          <p:cNvSpPr/>
+          <p:nvPr>
+            <p:ph type="body" idx="3"/>
+          </p:nvPr>
+        </p:nvSpPr>
+        <p:spPr/>
+        <p:txBody>
+          <a:bodyPr/>
+          <a:p>
+            <a:endParaRPr lang="en-US"/>
+          </a:p>
+        </p:txBody>
+      </p:sp>
+    </p:spTree>
+  </p:cSld>
+  <p:clrMapOvr>
+    <a:masterClrMapping/>
+  </p:clrMapOvr>
+</p:notes>
+</file>
+
+<file path=ppt/notesSlides/notesSlide2.xml><?xml version="1.0" encoding="utf-8"?>
+<p:notes xmlns:a="http://schemas.openxmlformats.org/drawingml/2006/main" xmlns:r="http://schemas.openxmlformats.org/officeDocument/2006/relationships" xmlns:p="http://schemas.openxmlformats.org/presentationml/2006/main">
+  <p:cSld>
+    <p:spTree>
+      <p:nvGrpSpPr>
+        <p:cNvPr id="1" name=""/>
+        <p:cNvGrpSpPr/>
+        <p:nvPr/>
+      </p:nvGrpSpPr>
       <p:grpSpPr>
         <a:xfrm>
           <a:off x="0" y="0"/>
@@ -528,7 +555,7 @@
               <a:spcBef>
                 <a:spcPts val="1000"/>
               </a:spcBef>
-              <a:buFont typeface="Arial"/>
+              <a:buFont typeface="Arial" panose="020B0604020202020204"/>
               <a:buChar char="•"/>
             </a:pPr>
             <a:r>
@@ -543,13 +570,14 @@
               <a:rPr lang="en-US"/>
               <a:t> ide program</a:t>
             </a:r>
+            <a:endParaRPr lang="en-US"/>
           </a:p>
           <a:p>
             <a:pPr marL="285750" indent="-285750">
               <a:spcBef>
                 <a:spcPts val="1000"/>
               </a:spcBef>
-              <a:buFont typeface="Arial"/>
+              <a:buFont typeface="Arial" panose="020B0604020202020204"/>
               <a:buChar char="•"/>
             </a:pPr>
             <a:r>
@@ -580,13 +608,14 @@
               <a:rPr lang="en-US"/>
               <a:t> GUI </a:t>
             </a:r>
+            <a:endParaRPr lang="en-US"/>
           </a:p>
           <a:p>
             <a:pPr marL="285750" indent="-285750">
               <a:spcBef>
                 <a:spcPts val="1000"/>
               </a:spcBef>
-              <a:buFont typeface="Arial"/>
+              <a:buFont typeface="Arial" panose="020B0604020202020204"/>
               <a:buChar char="•"/>
             </a:pPr>
             <a:r>
@@ -609,13 +638,14 @@
               <a:rPr lang="en-US"/>
               <a:t> http server, ftp server dan chat</a:t>
             </a:r>
+            <a:endParaRPr lang="en-US"/>
           </a:p>
           <a:p>
             <a:pPr marL="285750" indent="-285750">
               <a:spcBef>
                 <a:spcPts val="1000"/>
               </a:spcBef>
-              <a:buFont typeface="Arial"/>
+              <a:buFont typeface="Arial" panose="020B0604020202020204"/>
               <a:buChar char="•"/>
             </a:pPr>
             <a:r>
@@ -646,6 +676,7 @@
               <a:rPr lang="en-US"/>
               <a:t> program</a:t>
             </a:r>
+            <a:endParaRPr lang="en-US"/>
           </a:p>
         </p:txBody>
       </p:sp>
@@ -666,18 +697,12 @@
           <a:p>
             <a:fld id="{55722BE5-57AA-451B-8B85-B1F747DB0733}" type="slidenum">
               <a:rPr lang="en-US"/>
-              <a:t>6</a:t>
             </a:fld>
             <a:endParaRPr lang="en-US"/>
           </a:p>
         </p:txBody>
       </p:sp>
     </p:spTree>
-    <p:extLst>
-      <p:ext uri="{BB962C8B-B14F-4D97-AF65-F5344CB8AC3E}">
-        <p14:creationId xmlns:p14="http://schemas.microsoft.com/office/powerpoint/2010/main" val="668424879"/>
-      </p:ext>
-    </p:extLst>
   </p:cSld>
   <p:clrMapOvr>
     <a:masterClrMapping/>
@@ -730,6 +755,7 @@
               <a:rPr lang="en-US" dirty="0"/>
               <a:t>Click to edit Master title style</a:t>
             </a:r>
+            <a:endParaRPr lang="en-US" dirty="0"/>
           </a:p>
         </p:txBody>
       </p:sp>
@@ -849,6 +875,7 @@
               <a:rPr lang="en-US" dirty="0"/>
               <a:t>Click to edit Master subtitle style</a:t>
             </a:r>
+            <a:endParaRPr lang="en-US" dirty="0"/>
           </a:p>
         </p:txBody>
       </p:sp>
@@ -869,7 +896,6 @@
           <a:p>
             <a:fld id="{4AAD347D-5ACD-4C99-B74B-A9C85AD731AF}" type="datetimeFigureOut">
               <a:rPr lang="en-US" dirty="0"/>
-              <a:t>5/10/2020</a:t>
             </a:fld>
             <a:endParaRPr lang="en-US" dirty="0"/>
           </a:p>
@@ -911,18 +937,12 @@
           <a:p>
             <a:fld id="{D57F1E4F-1CFF-5643-939E-02111984F565}" type="slidenum">
               <a:rPr lang="en-US" dirty="0"/>
-              <a:t>‹#›</a:t>
             </a:fld>
             <a:endParaRPr lang="en-US" dirty="0"/>
           </a:p>
         </p:txBody>
       </p:sp>
     </p:spTree>
-    <p:extLst>
-      <p:ext uri="{BB962C8B-B14F-4D97-AF65-F5344CB8AC3E}">
-        <p14:creationId xmlns:p14="http://schemas.microsoft.com/office/powerpoint/2010/main" val="1712458594"/>
-      </p:ext>
-    </p:extLst>
   </p:cSld>
   <p:clrMapOvr>
     <a:masterClrMapping/>
@@ -977,6 +997,7 @@
               <a:rPr lang="en-US" dirty="0"/>
               <a:t>Click to edit Master title style</a:t>
             </a:r>
+            <a:endParaRPr lang="en-US" dirty="0"/>
           </a:p>
         </p:txBody>
       </p:sp>
@@ -1119,6 +1140,7 @@
               <a:rPr lang="en-US" dirty="0"/>
               <a:t>Click to edit Master text styles</a:t>
             </a:r>
+            <a:endParaRPr lang="en-US" dirty="0"/>
           </a:p>
         </p:txBody>
       </p:sp>
@@ -1139,7 +1161,6 @@
           <a:p>
             <a:fld id="{4509A250-FF31-4206-8172-F9D3106AACB1}" type="datetimeFigureOut">
               <a:rPr lang="en-US" dirty="0"/>
-              <a:t>5/10/2020</a:t>
             </a:fld>
             <a:endParaRPr lang="en-US" dirty="0"/>
           </a:p>
@@ -1181,18 +1202,12 @@
           <a:p>
             <a:fld id="{D57F1E4F-1CFF-5643-939E-02111984F565}" type="slidenum">
               <a:rPr lang="en-US" dirty="0"/>
-              <a:t>‹#›</a:t>
             </a:fld>
             <a:endParaRPr lang="en-US" dirty="0"/>
           </a:p>
         </p:txBody>
       </p:sp>
     </p:spTree>
-    <p:extLst>
-      <p:ext uri="{BB962C8B-B14F-4D97-AF65-F5344CB8AC3E}">
-        <p14:creationId xmlns:p14="http://schemas.microsoft.com/office/powerpoint/2010/main" val="3756763448"/>
-      </p:ext>
-    </p:extLst>
   </p:cSld>
   <p:clrMapOvr>
     <a:masterClrMapping/>
@@ -1245,6 +1260,7 @@
               <a:rPr lang="en-US" dirty="0"/>
               <a:t>Click to edit Master title style</a:t>
             </a:r>
+            <a:endParaRPr lang="en-US" dirty="0"/>
           </a:p>
         </p:txBody>
       </p:sp>
@@ -1312,6 +1328,7 @@
               <a:rPr lang="en-US" dirty="0"/>
               <a:t>Click to edit Master text styles</a:t>
             </a:r>
+            <a:endParaRPr lang="en-US" dirty="0"/>
           </a:p>
         </p:txBody>
       </p:sp>
@@ -1332,7 +1349,6 @@
           <a:p>
             <a:fld id="{4509A250-FF31-4206-8172-F9D3106AACB1}" type="datetimeFigureOut">
               <a:rPr lang="en-US" dirty="0"/>
-              <a:t>5/10/2020</a:t>
             </a:fld>
             <a:endParaRPr lang="en-US" dirty="0"/>
           </a:p>
@@ -1374,18 +1390,12 @@
           <a:p>
             <a:fld id="{D57F1E4F-1CFF-5643-939E-02111984F565}" type="slidenum">
               <a:rPr lang="en-US" dirty="0"/>
-              <a:t>‹#›</a:t>
             </a:fld>
             <a:endParaRPr lang="en-US" dirty="0"/>
           </a:p>
         </p:txBody>
       </p:sp>
     </p:spTree>
-    <p:extLst>
-      <p:ext uri="{BB962C8B-B14F-4D97-AF65-F5344CB8AC3E}">
-        <p14:creationId xmlns:p14="http://schemas.microsoft.com/office/powerpoint/2010/main" val="3575542967"/>
-      </p:ext>
-    </p:extLst>
   </p:cSld>
   <p:clrMapOvr>
     <a:masterClrMapping/>
@@ -1438,6 +1448,7 @@
               <a:rPr lang="en-US" dirty="0"/>
               <a:t>Click to edit Master title style</a:t>
             </a:r>
+            <a:endParaRPr lang="en-US" dirty="0"/>
           </a:p>
         </p:txBody>
       </p:sp>
@@ -1517,6 +1528,7 @@
               <a:rPr lang="en-US" dirty="0"/>
               <a:t>Click to edit Master text styles</a:t>
             </a:r>
+            <a:endParaRPr lang="en-US" dirty="0"/>
           </a:p>
         </p:txBody>
       </p:sp>
@@ -1584,6 +1596,7 @@
               <a:rPr lang="en-US" dirty="0"/>
               <a:t>Click to edit Master text styles</a:t>
             </a:r>
+            <a:endParaRPr lang="en-US" dirty="0"/>
           </a:p>
         </p:txBody>
       </p:sp>
@@ -1604,7 +1617,6 @@
           <a:p>
             <a:fld id="{4509A250-FF31-4206-8172-F9D3106AACB1}" type="datetimeFigureOut">
               <a:rPr lang="en-US" dirty="0"/>
-              <a:t>5/10/2020</a:t>
             </a:fld>
             <a:endParaRPr lang="en-US" dirty="0"/>
           </a:p>
@@ -1646,7 +1658,6 @@
           <a:p>
             <a:fld id="{D57F1E4F-1CFF-5643-939E-02111984F565}" type="slidenum">
               <a:rPr lang="en-US" dirty="0"/>
-              <a:t>‹#›</a:t>
             </a:fld>
             <a:endParaRPr lang="en-US" dirty="0"/>
           </a:p>
@@ -1684,7 +1695,7 @@
                     <a:lumOff val="60000"/>
                   </a:schemeClr>
                 </a:solidFill>
-                <a:latin typeface="Arial"/>
+                <a:latin typeface="Arial" panose="020B0604020202020204"/>
                 <a:ea typeface="+mj-ea"/>
                 <a:cs typeface="+mj-cs"/>
               </a:defRPr>
@@ -1696,6 +1707,7 @@
               <a:rPr lang="en-US" dirty="0"/>
               <a:t>“</a:t>
             </a:r>
+            <a:endParaRPr lang="en-US" dirty="0"/>
           </a:p>
         </p:txBody>
       </p:sp>
@@ -1731,7 +1743,7 @@
                     <a:lumOff val="60000"/>
                   </a:schemeClr>
                 </a:solidFill>
-                <a:latin typeface="Arial"/>
+                <a:latin typeface="Arial" panose="020B0604020202020204"/>
                 <a:ea typeface="+mj-ea"/>
                 <a:cs typeface="+mj-cs"/>
               </a:defRPr>
@@ -1743,15 +1755,11 @@
               <a:rPr lang="en-US" dirty="0"/>
               <a:t>”</a:t>
             </a:r>
+            <a:endParaRPr lang="en-US" dirty="0"/>
           </a:p>
         </p:txBody>
       </p:sp>
     </p:spTree>
-    <p:extLst>
-      <p:ext uri="{BB962C8B-B14F-4D97-AF65-F5344CB8AC3E}">
-        <p14:creationId xmlns:p14="http://schemas.microsoft.com/office/powerpoint/2010/main" val="2409501123"/>
-      </p:ext>
-    </p:extLst>
   </p:cSld>
   <p:clrMapOvr>
     <a:masterClrMapping/>
@@ -1804,6 +1812,7 @@
               <a:rPr lang="en-US" dirty="0"/>
               <a:t>Click to edit Master title style</a:t>
             </a:r>
+            <a:endParaRPr lang="en-US" dirty="0"/>
           </a:p>
         </p:txBody>
       </p:sp>
@@ -1924,6 +1933,7 @@
               <a:rPr lang="en-US" dirty="0"/>
               <a:t>Click to edit Master text styles</a:t>
             </a:r>
+            <a:endParaRPr lang="en-US" dirty="0"/>
           </a:p>
         </p:txBody>
       </p:sp>
@@ -1944,7 +1954,6 @@
           <a:p>
             <a:fld id="{4509A250-FF31-4206-8172-F9D3106AACB1}" type="datetimeFigureOut">
               <a:rPr lang="en-US" dirty="0"/>
-              <a:t>5/10/2020</a:t>
             </a:fld>
             <a:endParaRPr lang="en-US" dirty="0"/>
           </a:p>
@@ -1986,18 +1995,12 @@
           <a:p>
             <a:fld id="{D57F1E4F-1CFF-5643-939E-02111984F565}" type="slidenum">
               <a:rPr lang="en-US" dirty="0"/>
-              <a:t>‹#›</a:t>
             </a:fld>
             <a:endParaRPr lang="en-US" dirty="0"/>
           </a:p>
         </p:txBody>
       </p:sp>
     </p:spTree>
-    <p:extLst>
-      <p:ext uri="{BB962C8B-B14F-4D97-AF65-F5344CB8AC3E}">
-        <p14:creationId xmlns:p14="http://schemas.microsoft.com/office/powerpoint/2010/main" val="2460984500"/>
-      </p:ext>
-    </p:extLst>
   </p:cSld>
   <p:clrMapOvr>
     <a:masterClrMapping/>
@@ -2045,6 +2048,7 @@
               <a:rPr lang="en-US" dirty="0"/>
               <a:t>Click to edit Master title style</a:t>
             </a:r>
+            <a:endParaRPr lang="en-US" dirty="0"/>
           </a:p>
         </p:txBody>
       </p:sp>
@@ -2119,6 +2123,7 @@
               <a:rPr lang="en-US" dirty="0"/>
               <a:t>Click to edit Master text styles</a:t>
             </a:r>
+            <a:endParaRPr lang="en-US" dirty="0"/>
           </a:p>
         </p:txBody>
       </p:sp>
@@ -2186,6 +2191,7 @@
               <a:rPr lang="en-US" dirty="0"/>
               <a:t>Click to edit Master text styles</a:t>
             </a:r>
+            <a:endParaRPr lang="en-US" dirty="0"/>
           </a:p>
         </p:txBody>
       </p:sp>
@@ -2260,6 +2266,7 @@
               <a:rPr lang="en-US" dirty="0"/>
               <a:t>Click to edit Master text styles</a:t>
             </a:r>
+            <a:endParaRPr lang="en-US" dirty="0"/>
           </a:p>
         </p:txBody>
       </p:sp>
@@ -2327,6 +2334,7 @@
               <a:rPr lang="en-US" dirty="0"/>
               <a:t>Click to edit Master text styles</a:t>
             </a:r>
+            <a:endParaRPr lang="en-US" dirty="0"/>
           </a:p>
         </p:txBody>
       </p:sp>
@@ -2401,6 +2409,7 @@
               <a:rPr lang="en-US" dirty="0"/>
               <a:t>Click to edit Master text styles</a:t>
             </a:r>
+            <a:endParaRPr lang="en-US" dirty="0"/>
           </a:p>
         </p:txBody>
       </p:sp>
@@ -2468,6 +2477,7 @@
               <a:rPr lang="en-US" dirty="0"/>
               <a:t>Click to edit Master text styles</a:t>
             </a:r>
+            <a:endParaRPr lang="en-US" dirty="0"/>
           </a:p>
         </p:txBody>
       </p:sp>
@@ -2566,7 +2576,6 @@
           <a:p>
             <a:fld id="{4509A250-FF31-4206-8172-F9D3106AACB1}" type="datetimeFigureOut">
               <a:rPr lang="en-US" dirty="0"/>
-              <a:t>5/10/2020</a:t>
             </a:fld>
             <a:endParaRPr lang="en-US" dirty="0"/>
           </a:p>
@@ -2608,18 +2617,12 @@
           <a:p>
             <a:fld id="{D57F1E4F-1CFF-5643-939E-02111984F565}" type="slidenum">
               <a:rPr lang="en-US" dirty="0"/>
-              <a:t>‹#›</a:t>
             </a:fld>
             <a:endParaRPr lang="en-US" dirty="0"/>
           </a:p>
         </p:txBody>
       </p:sp>
     </p:spTree>
-    <p:extLst>
-      <p:ext uri="{BB962C8B-B14F-4D97-AF65-F5344CB8AC3E}">
-        <p14:creationId xmlns:p14="http://schemas.microsoft.com/office/powerpoint/2010/main" val="2139719553"/>
-      </p:ext>
-    </p:extLst>
   </p:cSld>
   <p:clrMapOvr>
     <a:masterClrMapping/>
@@ -2667,6 +2670,7 @@
               <a:rPr lang="en-US" dirty="0"/>
               <a:t>Click to edit Master title style</a:t>
             </a:r>
+            <a:endParaRPr lang="en-US" dirty="0"/>
           </a:p>
         </p:txBody>
       </p:sp>
@@ -2741,6 +2745,7 @@
               <a:rPr lang="en-US" dirty="0"/>
               <a:t>Click to edit Master text styles</a:t>
             </a:r>
+            <a:endParaRPr lang="en-US" dirty="0"/>
           </a:p>
         </p:txBody>
       </p:sp>
@@ -2883,6 +2888,7 @@
               <a:rPr lang="en-US" dirty="0"/>
               <a:t>Click to edit Master text styles</a:t>
             </a:r>
+            <a:endParaRPr lang="en-US" dirty="0"/>
           </a:p>
         </p:txBody>
       </p:sp>
@@ -2957,6 +2963,7 @@
               <a:rPr lang="en-US" dirty="0"/>
               <a:t>Click to edit Master text styles</a:t>
             </a:r>
+            <a:endParaRPr lang="en-US" dirty="0"/>
           </a:p>
         </p:txBody>
       </p:sp>
@@ -3099,6 +3106,7 @@
               <a:rPr lang="en-US" dirty="0"/>
               <a:t>Click to edit Master text styles</a:t>
             </a:r>
+            <a:endParaRPr lang="en-US" dirty="0"/>
           </a:p>
         </p:txBody>
       </p:sp>
@@ -3173,6 +3181,7 @@
               <a:rPr lang="en-US" dirty="0"/>
               <a:t>Click to edit Master text styles</a:t>
             </a:r>
+            <a:endParaRPr lang="en-US" dirty="0"/>
           </a:p>
         </p:txBody>
       </p:sp>
@@ -3315,6 +3324,7 @@
               <a:rPr lang="en-US" dirty="0"/>
               <a:t>Click to edit Master text styles</a:t>
             </a:r>
+            <a:endParaRPr lang="en-US" dirty="0"/>
           </a:p>
         </p:txBody>
       </p:sp>
@@ -3413,7 +3423,6 @@
           <a:p>
             <a:fld id="{4509A250-FF31-4206-8172-F9D3106AACB1}" type="datetimeFigureOut">
               <a:rPr lang="en-US" dirty="0"/>
-              <a:t>5/10/2020</a:t>
             </a:fld>
             <a:endParaRPr lang="en-US" dirty="0"/>
           </a:p>
@@ -3455,18 +3464,12 @@
           <a:p>
             <a:fld id="{D57F1E4F-1CFF-5643-939E-02111984F565}" type="slidenum">
               <a:rPr lang="en-US" dirty="0"/>
-              <a:t>‹#›</a:t>
             </a:fld>
             <a:endParaRPr lang="en-US" dirty="0"/>
           </a:p>
         </p:txBody>
       </p:sp>
     </p:spTree>
-    <p:extLst>
-      <p:ext uri="{BB962C8B-B14F-4D97-AF65-F5344CB8AC3E}">
-        <p14:creationId xmlns:p14="http://schemas.microsoft.com/office/powerpoint/2010/main" val="1678277783"/>
-      </p:ext>
-    </p:extLst>
   </p:cSld>
   <p:clrMapOvr>
     <a:masterClrMapping/>
@@ -3510,6 +3513,7 @@
               <a:rPr lang="en-US" dirty="0"/>
               <a:t>Click to edit Master title style</a:t>
             </a:r>
+            <a:endParaRPr lang="en-US" dirty="0"/>
           </a:p>
         </p:txBody>
       </p:sp>
@@ -3533,6 +3537,7 @@
               <a:rPr lang="en-US" dirty="0"/>
               <a:t>Click to edit Master text styles</a:t>
             </a:r>
+            <a:endParaRPr lang="en-US" dirty="0"/>
           </a:p>
           <a:p>
             <a:pPr lvl="1"/>
@@ -3540,6 +3545,7 @@
               <a:rPr lang="en-US" dirty="0"/>
               <a:t>Second level</a:t>
             </a:r>
+            <a:endParaRPr lang="en-US" dirty="0"/>
           </a:p>
           <a:p>
             <a:pPr lvl="2"/>
@@ -3547,6 +3553,7 @@
               <a:rPr lang="en-US" dirty="0"/>
               <a:t>Third level</a:t>
             </a:r>
+            <a:endParaRPr lang="en-US" dirty="0"/>
           </a:p>
           <a:p>
             <a:pPr lvl="3"/>
@@ -3554,6 +3561,7 @@
               <a:rPr lang="en-US" dirty="0"/>
               <a:t>Fourth level</a:t>
             </a:r>
+            <a:endParaRPr lang="en-US" dirty="0"/>
           </a:p>
           <a:p>
             <a:pPr lvl="4"/>
@@ -3561,6 +3569,7 @@
               <a:rPr lang="en-US" dirty="0"/>
               <a:t>Fifth level</a:t>
             </a:r>
+            <a:endParaRPr lang="en-US" dirty="0"/>
           </a:p>
         </p:txBody>
       </p:sp>
@@ -3581,7 +3590,6 @@
           <a:p>
             <a:fld id="{4509A250-FF31-4206-8172-F9D3106AACB1}" type="datetimeFigureOut">
               <a:rPr lang="en-US" dirty="0"/>
-              <a:t>5/10/2020</a:t>
             </a:fld>
             <a:endParaRPr lang="en-US" dirty="0"/>
           </a:p>
@@ -3623,18 +3631,12 @@
           <a:p>
             <a:fld id="{D57F1E4F-1CFF-5643-939E-02111984F565}" type="slidenum">
               <a:rPr lang="en-US" dirty="0"/>
-              <a:t>‹#›</a:t>
             </a:fld>
             <a:endParaRPr lang="en-US" dirty="0"/>
           </a:p>
         </p:txBody>
       </p:sp>
     </p:spTree>
-    <p:extLst>
-      <p:ext uri="{BB962C8B-B14F-4D97-AF65-F5344CB8AC3E}">
-        <p14:creationId xmlns:p14="http://schemas.microsoft.com/office/powerpoint/2010/main" val="86920056"/>
-      </p:ext>
-    </p:extLst>
   </p:cSld>
   <p:clrMapOvr>
     <a:masterClrMapping/>
@@ -3683,6 +3685,7 @@
               <a:rPr lang="en-US" dirty="0"/>
               <a:t>Click to edit Master title style</a:t>
             </a:r>
+            <a:endParaRPr lang="en-US" dirty="0"/>
           </a:p>
         </p:txBody>
       </p:sp>
@@ -3711,6 +3714,7 @@
               <a:rPr lang="en-US" dirty="0"/>
               <a:t>Click to edit Master text styles</a:t>
             </a:r>
+            <a:endParaRPr lang="en-US" dirty="0"/>
           </a:p>
           <a:p>
             <a:pPr lvl="1"/>
@@ -3718,6 +3722,7 @@
               <a:rPr lang="en-US" dirty="0"/>
               <a:t>Second level</a:t>
             </a:r>
+            <a:endParaRPr lang="en-US" dirty="0"/>
           </a:p>
           <a:p>
             <a:pPr lvl="2"/>
@@ -3725,6 +3730,7 @@
               <a:rPr lang="en-US" dirty="0"/>
               <a:t>Third level</a:t>
             </a:r>
+            <a:endParaRPr lang="en-US" dirty="0"/>
           </a:p>
           <a:p>
             <a:pPr lvl="3"/>
@@ -3732,6 +3738,7 @@
               <a:rPr lang="en-US" dirty="0"/>
               <a:t>Fourth level</a:t>
             </a:r>
+            <a:endParaRPr lang="en-US" dirty="0"/>
           </a:p>
           <a:p>
             <a:pPr lvl="4"/>
@@ -3739,6 +3746,7 @@
               <a:rPr lang="en-US" dirty="0"/>
               <a:t>Fifth level</a:t>
             </a:r>
+            <a:endParaRPr lang="en-US" dirty="0"/>
           </a:p>
         </p:txBody>
       </p:sp>
@@ -3759,7 +3767,6 @@
           <a:p>
             <a:fld id="{4509A250-FF31-4206-8172-F9D3106AACB1}" type="datetimeFigureOut">
               <a:rPr lang="en-US" dirty="0"/>
-              <a:t>5/10/2020</a:t>
             </a:fld>
             <a:endParaRPr lang="en-US" dirty="0"/>
           </a:p>
@@ -3801,18 +3808,12 @@
           <a:p>
             <a:fld id="{D57F1E4F-1CFF-5643-939E-02111984F565}" type="slidenum">
               <a:rPr lang="en-US" dirty="0"/>
-              <a:t>‹#›</a:t>
             </a:fld>
             <a:endParaRPr lang="en-US" dirty="0"/>
           </a:p>
         </p:txBody>
       </p:sp>
     </p:spTree>
-    <p:extLst>
-      <p:ext uri="{BB962C8B-B14F-4D97-AF65-F5344CB8AC3E}">
-        <p14:creationId xmlns:p14="http://schemas.microsoft.com/office/powerpoint/2010/main" val="2710662494"/>
-      </p:ext>
-    </p:extLst>
   </p:cSld>
   <p:clrMapOvr>
     <a:masterClrMapping/>
@@ -3856,6 +3857,7 @@
               <a:rPr lang="en-US" dirty="0"/>
               <a:t>Click to edit Master title style</a:t>
             </a:r>
+            <a:endParaRPr lang="en-US" dirty="0"/>
           </a:p>
         </p:txBody>
       </p:sp>
@@ -3879,6 +3881,7 @@
               <a:rPr lang="en-US" dirty="0"/>
               <a:t>Click to edit Master text styles</a:t>
             </a:r>
+            <a:endParaRPr lang="en-US" dirty="0"/>
           </a:p>
           <a:p>
             <a:pPr lvl="1"/>
@@ -3886,6 +3889,7 @@
               <a:rPr lang="en-US" dirty="0"/>
               <a:t>Second level</a:t>
             </a:r>
+            <a:endParaRPr lang="en-US" dirty="0"/>
           </a:p>
           <a:p>
             <a:pPr lvl="2"/>
@@ -3893,6 +3897,7 @@
               <a:rPr lang="en-US" dirty="0"/>
               <a:t>Third level</a:t>
             </a:r>
+            <a:endParaRPr lang="en-US" dirty="0"/>
           </a:p>
           <a:p>
             <a:pPr lvl="3"/>
@@ -3900,6 +3905,7 @@
               <a:rPr lang="en-US" dirty="0"/>
               <a:t>Fourth level</a:t>
             </a:r>
+            <a:endParaRPr lang="en-US" dirty="0"/>
           </a:p>
           <a:p>
             <a:pPr lvl="4"/>
@@ -3907,6 +3913,7 @@
               <a:rPr lang="en-US" dirty="0"/>
               <a:t>Fifth level</a:t>
             </a:r>
+            <a:endParaRPr lang="en-US" dirty="0"/>
           </a:p>
         </p:txBody>
       </p:sp>
@@ -3927,7 +3934,6 @@
           <a:p>
             <a:fld id="{4509A250-FF31-4206-8172-F9D3106AACB1}" type="datetimeFigureOut">
               <a:rPr lang="en-US" dirty="0"/>
-              <a:t>5/10/2020</a:t>
             </a:fld>
             <a:endParaRPr lang="en-US" dirty="0"/>
           </a:p>
@@ -3969,18 +3975,12 @@
           <a:p>
             <a:fld id="{D57F1E4F-1CFF-5643-939E-02111984F565}" type="slidenum">
               <a:rPr lang="en-US" dirty="0"/>
-              <a:t>‹#›</a:t>
             </a:fld>
             <a:endParaRPr lang="en-US" dirty="0"/>
           </a:p>
         </p:txBody>
       </p:sp>
     </p:spTree>
-    <p:extLst>
-      <p:ext uri="{BB962C8B-B14F-4D97-AF65-F5344CB8AC3E}">
-        <p14:creationId xmlns:p14="http://schemas.microsoft.com/office/powerpoint/2010/main" val="1497836008"/>
-      </p:ext>
-    </p:extLst>
   </p:cSld>
   <p:clrMapOvr>
     <a:masterClrMapping/>
@@ -4033,6 +4033,7 @@
               <a:rPr lang="en-US" dirty="0"/>
               <a:t>Click to edit Master title style</a:t>
             </a:r>
+            <a:endParaRPr lang="en-US" dirty="0"/>
           </a:p>
         </p:txBody>
       </p:sp>
@@ -4153,6 +4154,7 @@
               <a:rPr lang="en-US" dirty="0"/>
               <a:t>Click to edit Master text styles</a:t>
             </a:r>
+            <a:endParaRPr lang="en-US" dirty="0"/>
           </a:p>
         </p:txBody>
       </p:sp>
@@ -4173,7 +4175,6 @@
           <a:p>
             <a:fld id="{9796027F-7875-4030-9381-8BD8C4F21935}" type="datetimeFigureOut">
               <a:rPr lang="en-US" dirty="0"/>
-              <a:t>5/10/2020</a:t>
             </a:fld>
             <a:endParaRPr lang="en-US" dirty="0"/>
           </a:p>
@@ -4215,18 +4216,12 @@
           <a:p>
             <a:fld id="{D57F1E4F-1CFF-5643-939E-02111984F565}" type="slidenum">
               <a:rPr lang="en-US" dirty="0"/>
-              <a:t>‹#›</a:t>
             </a:fld>
             <a:endParaRPr lang="en-US" dirty="0"/>
           </a:p>
         </p:txBody>
       </p:sp>
     </p:spTree>
-    <p:extLst>
-      <p:ext uri="{BB962C8B-B14F-4D97-AF65-F5344CB8AC3E}">
-        <p14:creationId xmlns:p14="http://schemas.microsoft.com/office/powerpoint/2010/main" val="3604998862"/>
-      </p:ext>
-    </p:extLst>
   </p:cSld>
   <p:clrMapOvr>
     <a:masterClrMapping/>
@@ -4270,6 +4265,7 @@
               <a:rPr lang="en-US" dirty="0"/>
               <a:t>Click to edit Master title style</a:t>
             </a:r>
+            <a:endParaRPr lang="en-US" dirty="0"/>
           </a:p>
         </p:txBody>
       </p:sp>
@@ -4328,6 +4324,7 @@
               <a:rPr lang="en-US" dirty="0"/>
               <a:t>Click to edit Master text styles</a:t>
             </a:r>
+            <a:endParaRPr lang="en-US" dirty="0"/>
           </a:p>
           <a:p>
             <a:pPr lvl="1"/>
@@ -4335,6 +4332,7 @@
               <a:rPr lang="en-US" dirty="0"/>
               <a:t>Second level</a:t>
             </a:r>
+            <a:endParaRPr lang="en-US" dirty="0"/>
           </a:p>
           <a:p>
             <a:pPr lvl="2"/>
@@ -4342,6 +4340,7 @@
               <a:rPr lang="en-US" dirty="0"/>
               <a:t>Third level</a:t>
             </a:r>
+            <a:endParaRPr lang="en-US" dirty="0"/>
           </a:p>
           <a:p>
             <a:pPr lvl="3"/>
@@ -4349,6 +4348,7 @@
               <a:rPr lang="en-US" dirty="0"/>
               <a:t>Fourth level</a:t>
             </a:r>
+            <a:endParaRPr lang="en-US" dirty="0"/>
           </a:p>
           <a:p>
             <a:pPr lvl="4"/>
@@ -4356,6 +4356,7 @@
               <a:rPr lang="en-US" dirty="0"/>
               <a:t>Fifth level</a:t>
             </a:r>
+            <a:endParaRPr lang="en-US" dirty="0"/>
           </a:p>
         </p:txBody>
       </p:sp>
@@ -4414,6 +4415,7 @@
               <a:rPr lang="en-US" dirty="0"/>
               <a:t>Click to edit Master text styles</a:t>
             </a:r>
+            <a:endParaRPr lang="en-US" dirty="0"/>
           </a:p>
           <a:p>
             <a:pPr lvl="1"/>
@@ -4421,6 +4423,7 @@
               <a:rPr lang="en-US" dirty="0"/>
               <a:t>Second level</a:t>
             </a:r>
+            <a:endParaRPr lang="en-US" dirty="0"/>
           </a:p>
           <a:p>
             <a:pPr lvl="2"/>
@@ -4428,6 +4431,7 @@
               <a:rPr lang="en-US" dirty="0"/>
               <a:t>Third level</a:t>
             </a:r>
+            <a:endParaRPr lang="en-US" dirty="0"/>
           </a:p>
           <a:p>
             <a:pPr lvl="3"/>
@@ -4435,6 +4439,7 @@
               <a:rPr lang="en-US" dirty="0"/>
               <a:t>Fourth level</a:t>
             </a:r>
+            <a:endParaRPr lang="en-US" dirty="0"/>
           </a:p>
           <a:p>
             <a:pPr lvl="4"/>
@@ -4442,6 +4447,7 @@
               <a:rPr lang="en-US" dirty="0"/>
               <a:t>Fifth level</a:t>
             </a:r>
+            <a:endParaRPr lang="en-US" dirty="0"/>
           </a:p>
         </p:txBody>
       </p:sp>
@@ -4462,7 +4468,6 @@
           <a:p>
             <a:fld id="{9796027F-7875-4030-9381-8BD8C4F21935}" type="datetimeFigureOut">
               <a:rPr lang="en-US" dirty="0"/>
-              <a:t>5/10/2020</a:t>
             </a:fld>
             <a:endParaRPr lang="en-US" dirty="0"/>
           </a:p>
@@ -4504,18 +4509,12 @@
           <a:p>
             <a:fld id="{D57F1E4F-1CFF-5643-939E-02111984F565}" type="slidenum">
               <a:rPr lang="en-US" dirty="0"/>
-              <a:t>‹#›</a:t>
             </a:fld>
             <a:endParaRPr lang="en-US" dirty="0"/>
           </a:p>
         </p:txBody>
       </p:sp>
     </p:spTree>
-    <p:extLst>
-      <p:ext uri="{BB962C8B-B14F-4D97-AF65-F5344CB8AC3E}">
-        <p14:creationId xmlns:p14="http://schemas.microsoft.com/office/powerpoint/2010/main" val="4182321738"/>
-      </p:ext>
-    </p:extLst>
   </p:cSld>
   <p:clrMapOvr>
     <a:masterClrMapping/>
@@ -4563,6 +4562,7 @@
               <a:rPr lang="en-US" dirty="0"/>
               <a:t>Click to edit Master title style</a:t>
             </a:r>
+            <a:endParaRPr lang="en-US" dirty="0"/>
           </a:p>
         </p:txBody>
       </p:sp>
@@ -4637,6 +4637,7 @@
               <a:rPr lang="en-US" dirty="0"/>
               <a:t>Click to edit Master text styles</a:t>
             </a:r>
+            <a:endParaRPr lang="en-US" dirty="0"/>
           </a:p>
         </p:txBody>
       </p:sp>
@@ -4695,6 +4696,7 @@
               <a:rPr lang="en-US" dirty="0"/>
               <a:t>Click to edit Master text styles</a:t>
             </a:r>
+            <a:endParaRPr lang="en-US" dirty="0"/>
           </a:p>
           <a:p>
             <a:pPr lvl="1"/>
@@ -4702,6 +4704,7 @@
               <a:rPr lang="en-US" dirty="0"/>
               <a:t>Second level</a:t>
             </a:r>
+            <a:endParaRPr lang="en-US" dirty="0"/>
           </a:p>
           <a:p>
             <a:pPr lvl="2"/>
@@ -4709,6 +4712,7 @@
               <a:rPr lang="en-US" dirty="0"/>
               <a:t>Third level</a:t>
             </a:r>
+            <a:endParaRPr lang="en-US" dirty="0"/>
           </a:p>
           <a:p>
             <a:pPr lvl="3"/>
@@ -4716,6 +4720,7 @@
               <a:rPr lang="en-US" dirty="0"/>
               <a:t>Fourth level</a:t>
             </a:r>
+            <a:endParaRPr lang="en-US" dirty="0"/>
           </a:p>
           <a:p>
             <a:pPr lvl="4"/>
@@ -4723,6 +4728,7 @@
               <a:rPr lang="en-US" dirty="0"/>
               <a:t>Fifth level</a:t>
             </a:r>
+            <a:endParaRPr lang="en-US" dirty="0"/>
           </a:p>
         </p:txBody>
       </p:sp>
@@ -4797,6 +4803,7 @@
               <a:rPr lang="en-US" dirty="0"/>
               <a:t>Click to edit Master text styles</a:t>
             </a:r>
+            <a:endParaRPr lang="en-US" dirty="0"/>
           </a:p>
         </p:txBody>
       </p:sp>
@@ -4855,6 +4862,7 @@
               <a:rPr lang="en-US" dirty="0"/>
               <a:t>Click to edit Master text styles</a:t>
             </a:r>
+            <a:endParaRPr lang="en-US" dirty="0"/>
           </a:p>
           <a:p>
             <a:pPr lvl="1"/>
@@ -4862,6 +4870,7 @@
               <a:rPr lang="en-US" dirty="0"/>
               <a:t>Second level</a:t>
             </a:r>
+            <a:endParaRPr lang="en-US" dirty="0"/>
           </a:p>
           <a:p>
             <a:pPr lvl="2"/>
@@ -4869,6 +4878,7 @@
               <a:rPr lang="en-US" dirty="0"/>
               <a:t>Third level</a:t>
             </a:r>
+            <a:endParaRPr lang="en-US" dirty="0"/>
           </a:p>
           <a:p>
             <a:pPr lvl="3"/>
@@ -4876,6 +4886,7 @@
               <a:rPr lang="en-US" dirty="0"/>
               <a:t>Fourth level</a:t>
             </a:r>
+            <a:endParaRPr lang="en-US" dirty="0"/>
           </a:p>
           <a:p>
             <a:pPr lvl="4"/>
@@ -4883,6 +4894,7 @@
               <a:rPr lang="en-US" dirty="0"/>
               <a:t>Fifth level</a:t>
             </a:r>
+            <a:endParaRPr lang="en-US" dirty="0"/>
           </a:p>
         </p:txBody>
       </p:sp>
@@ -4903,7 +4915,6 @@
           <a:p>
             <a:fld id="{9796027F-7875-4030-9381-8BD8C4F21935}" type="datetimeFigureOut">
               <a:rPr lang="en-US" dirty="0"/>
-              <a:t>5/10/2020</a:t>
             </a:fld>
             <a:endParaRPr lang="en-US" dirty="0"/>
           </a:p>
@@ -4945,18 +4956,12 @@
           <a:p>
             <a:fld id="{D57F1E4F-1CFF-5643-939E-02111984F565}" type="slidenum">
               <a:rPr lang="en-US" dirty="0"/>
-              <a:t>‹#›</a:t>
             </a:fld>
             <a:endParaRPr lang="en-US" dirty="0"/>
           </a:p>
         </p:txBody>
       </p:sp>
     </p:spTree>
-    <p:extLst>
-      <p:ext uri="{BB962C8B-B14F-4D97-AF65-F5344CB8AC3E}">
-        <p14:creationId xmlns:p14="http://schemas.microsoft.com/office/powerpoint/2010/main" val="1773001733"/>
-      </p:ext>
-    </p:extLst>
   </p:cSld>
   <p:clrMapOvr>
     <a:masterClrMapping/>
@@ -5000,6 +5005,7 @@
               <a:rPr lang="en-US" dirty="0"/>
               <a:t>Click to edit Master title style</a:t>
             </a:r>
+            <a:endParaRPr lang="en-US" dirty="0"/>
           </a:p>
         </p:txBody>
       </p:sp>
@@ -5020,7 +5026,6 @@
           <a:p>
             <a:fld id="{4509A250-FF31-4206-8172-F9D3106AACB1}" type="datetimeFigureOut">
               <a:rPr lang="en-US" dirty="0"/>
-              <a:t>5/10/2020</a:t>
             </a:fld>
             <a:endParaRPr lang="en-US" dirty="0"/>
           </a:p>
@@ -5062,18 +5067,12 @@
           <a:p>
             <a:fld id="{D57F1E4F-1CFF-5643-939E-02111984F565}" type="slidenum">
               <a:rPr lang="en-US" dirty="0"/>
-              <a:t>‹#›</a:t>
             </a:fld>
             <a:endParaRPr lang="en-US" dirty="0"/>
           </a:p>
         </p:txBody>
       </p:sp>
     </p:spTree>
-    <p:extLst>
-      <p:ext uri="{BB962C8B-B14F-4D97-AF65-F5344CB8AC3E}">
-        <p14:creationId xmlns:p14="http://schemas.microsoft.com/office/powerpoint/2010/main" val="3285053031"/>
-      </p:ext>
-    </p:extLst>
   </p:cSld>
   <p:clrMapOvr>
     <a:masterClrMapping/>
@@ -5115,7 +5114,6 @@
           <a:p>
             <a:fld id="{4509A250-FF31-4206-8172-F9D3106AACB1}" type="datetimeFigureOut">
               <a:rPr lang="en-US" dirty="0"/>
-              <a:t>5/10/2020</a:t>
             </a:fld>
             <a:endParaRPr lang="en-US" dirty="0"/>
           </a:p>
@@ -5157,18 +5155,12 @@
           <a:p>
             <a:fld id="{D57F1E4F-1CFF-5643-939E-02111984F565}" type="slidenum">
               <a:rPr lang="en-US" dirty="0"/>
-              <a:t>‹#›</a:t>
             </a:fld>
             <a:endParaRPr lang="en-US" dirty="0"/>
           </a:p>
         </p:txBody>
       </p:sp>
     </p:spTree>
-    <p:extLst>
-      <p:ext uri="{BB962C8B-B14F-4D97-AF65-F5344CB8AC3E}">
-        <p14:creationId xmlns:p14="http://schemas.microsoft.com/office/powerpoint/2010/main" val="3392383693"/>
-      </p:ext>
-    </p:extLst>
   </p:cSld>
   <p:clrMapOvr>
     <a:masterClrMapping/>
@@ -5221,6 +5213,7 @@
               <a:rPr lang="en-US" dirty="0"/>
               <a:t>Click to edit Master title style</a:t>
             </a:r>
+            <a:endParaRPr lang="en-US" dirty="0"/>
           </a:p>
         </p:txBody>
       </p:sp>
@@ -5279,6 +5272,7 @@
               <a:rPr lang="en-US" dirty="0"/>
               <a:t>Click to edit Master text styles</a:t>
             </a:r>
+            <a:endParaRPr lang="en-US" dirty="0"/>
           </a:p>
           <a:p>
             <a:pPr lvl="1"/>
@@ -5286,6 +5280,7 @@
               <a:rPr lang="en-US" dirty="0"/>
               <a:t>Second level</a:t>
             </a:r>
+            <a:endParaRPr lang="en-US" dirty="0"/>
           </a:p>
           <a:p>
             <a:pPr lvl="2"/>
@@ -5293,6 +5288,7 @@
               <a:rPr lang="en-US" dirty="0"/>
               <a:t>Third level</a:t>
             </a:r>
+            <a:endParaRPr lang="en-US" dirty="0"/>
           </a:p>
           <a:p>
             <a:pPr lvl="3"/>
@@ -5300,6 +5296,7 @@
               <a:rPr lang="en-US" dirty="0"/>
               <a:t>Fourth level</a:t>
             </a:r>
+            <a:endParaRPr lang="en-US" dirty="0"/>
           </a:p>
           <a:p>
             <a:pPr lvl="4"/>
@@ -5307,6 +5304,7 @@
               <a:rPr lang="en-US" dirty="0"/>
               <a:t>Fifth level</a:t>
             </a:r>
+            <a:endParaRPr lang="en-US" dirty="0"/>
           </a:p>
         </p:txBody>
       </p:sp>
@@ -5372,6 +5370,7 @@
               <a:rPr lang="en-US" dirty="0"/>
               <a:t>Click to edit Master text styles</a:t>
             </a:r>
+            <a:endParaRPr lang="en-US" dirty="0"/>
           </a:p>
         </p:txBody>
       </p:sp>
@@ -5392,7 +5391,6 @@
           <a:p>
             <a:fld id="{4509A250-FF31-4206-8172-F9D3106AACB1}" type="datetimeFigureOut">
               <a:rPr lang="en-US" dirty="0"/>
-              <a:t>5/10/2020</a:t>
             </a:fld>
             <a:endParaRPr lang="en-US" dirty="0"/>
           </a:p>
@@ -5434,18 +5432,12 @@
           <a:p>
             <a:fld id="{D57F1E4F-1CFF-5643-939E-02111984F565}" type="slidenum">
               <a:rPr lang="en-US" dirty="0"/>
-              <a:t>‹#›</a:t>
             </a:fld>
             <a:endParaRPr lang="en-US" dirty="0"/>
           </a:p>
         </p:txBody>
       </p:sp>
     </p:spTree>
-    <p:extLst>
-      <p:ext uri="{BB962C8B-B14F-4D97-AF65-F5344CB8AC3E}">
-        <p14:creationId xmlns:p14="http://schemas.microsoft.com/office/powerpoint/2010/main" val="1833483774"/>
-      </p:ext>
-    </p:extLst>
   </p:cSld>
   <p:clrMapOvr>
     <a:masterClrMapping/>
@@ -5500,6 +5492,7 @@
               <a:rPr lang="en-US" dirty="0"/>
               <a:t>Click to edit Master title style</a:t>
             </a:r>
+            <a:endParaRPr lang="en-US" dirty="0"/>
           </a:p>
         </p:txBody>
       </p:sp>
@@ -5642,6 +5635,7 @@
               <a:rPr lang="en-US" dirty="0"/>
               <a:t>Click to edit Master text styles</a:t>
             </a:r>
+            <a:endParaRPr lang="en-US" dirty="0"/>
           </a:p>
         </p:txBody>
       </p:sp>
@@ -5662,7 +5656,6 @@
           <a:p>
             <a:fld id="{4509A250-FF31-4206-8172-F9D3106AACB1}" type="datetimeFigureOut">
               <a:rPr lang="en-US" dirty="0"/>
-              <a:t>5/10/2020</a:t>
             </a:fld>
             <a:endParaRPr lang="en-US" dirty="0"/>
           </a:p>
@@ -5704,18 +5697,12 @@
           <a:p>
             <a:fld id="{D57F1E4F-1CFF-5643-939E-02111984F565}" type="slidenum">
               <a:rPr lang="en-US" dirty="0"/>
-              <a:t>‹#›</a:t>
             </a:fld>
             <a:endParaRPr lang="en-US" dirty="0"/>
           </a:p>
         </p:txBody>
       </p:sp>
     </p:spTree>
-    <p:extLst>
-      <p:ext uri="{BB962C8B-B14F-4D97-AF65-F5344CB8AC3E}">
-        <p14:creationId xmlns:p14="http://schemas.microsoft.com/office/powerpoint/2010/main" val="1642524380"/>
-      </p:ext>
-    </p:extLst>
   </p:cSld>
   <p:clrMapOvr>
     <a:masterClrMapping/>
@@ -5754,7 +5741,7 @@
           <p:nvPr/>
         </p:nvPicPr>
         <p:blipFill rotWithShape="1">
-          <a:blip r:embed="rId19">
+          <a:blip r:embed="rId18">
             <a:extLst>
               <a:ext uri="{28A0092B-C50C-407E-A947-70E740481C1C}">
                 <a14:useLocalDpi xmlns:a14="http://schemas.microsoft.com/office/drawing/2010/main" val="0"/>
@@ -5762,7 +5749,9 @@
             </a:extLst>
           </a:blip>
           <a:srcRect l="3613"/>
-          <a:stretch/>
+          <a:stretch>
+            <a:fillRect/>
+          </a:stretch>
         </p:blipFill>
         <p:spPr>
           <a:xfrm>
@@ -5783,7 +5772,7 @@
           <p:nvPr/>
         </p:nvPicPr>
         <p:blipFill rotWithShape="1">
-          <a:blip r:embed="rId20">
+          <a:blip r:embed="rId19">
             <a:extLst>
               <a:ext uri="{28A0092B-C50C-407E-A947-70E740481C1C}">
                 <a14:useLocalDpi xmlns:a14="http://schemas.microsoft.com/office/drawing/2010/main" val="0"/>
@@ -5791,7 +5780,9 @@
             </a:extLst>
           </a:blip>
           <a:srcRect l="35640"/>
-          <a:stretch/>
+          <a:stretch>
+            <a:fillRect/>
+          </a:stretch>
         </p:blipFill>
         <p:spPr>
           <a:xfrm>
@@ -5875,7 +5866,7 @@
           <p:nvPr/>
         </p:nvPicPr>
         <p:blipFill rotWithShape="1">
-          <a:blip r:embed="rId21">
+          <a:blip r:embed="rId20">
             <a:extLst>
               <a:ext uri="{28A0092B-C50C-407E-A947-70E740481C1C}">
                 <a14:useLocalDpi xmlns:a14="http://schemas.microsoft.com/office/drawing/2010/main" val="0"/>
@@ -5883,7 +5874,9 @@
             </a:extLst>
           </a:blip>
           <a:srcRect t="28813"/>
-          <a:stretch/>
+          <a:stretch>
+            <a:fillRect/>
+          </a:stretch>
         </p:blipFill>
         <p:spPr>
           <a:xfrm>
@@ -5904,7 +5897,7 @@
           <p:nvPr/>
         </p:nvPicPr>
         <p:blipFill rotWithShape="1">
-          <a:blip r:embed="rId22">
+          <a:blip r:embed="rId21">
             <a:extLst>
               <a:ext uri="{28A0092B-C50C-407E-A947-70E740481C1C}">
                 <a14:useLocalDpi xmlns:a14="http://schemas.microsoft.com/office/drawing/2010/main" val="0"/>
@@ -5912,7 +5905,9 @@
             </a:extLst>
           </a:blip>
           <a:srcRect b="23320"/>
-          <a:stretch/>
+          <a:stretch>
+            <a:fillRect/>
+          </a:stretch>
         </p:blipFill>
         <p:spPr>
           <a:xfrm>
@@ -5989,6 +5984,7 @@
               <a:rPr lang="en-US" dirty="0"/>
               <a:t>Click to edit Master title style</a:t>
             </a:r>
+            <a:endParaRPr lang="en-US" dirty="0"/>
           </a:p>
         </p:txBody>
       </p:sp>
@@ -6022,6 +6018,7 @@
               <a:rPr lang="en-US" dirty="0"/>
               <a:t>Click to edit Master text styles</a:t>
             </a:r>
+            <a:endParaRPr lang="en-US" dirty="0"/>
           </a:p>
           <a:p>
             <a:pPr lvl="1"/>
@@ -6029,6 +6026,7 @@
               <a:rPr lang="en-US" dirty="0"/>
               <a:t>Second level</a:t>
             </a:r>
+            <a:endParaRPr lang="en-US" dirty="0"/>
           </a:p>
           <a:p>
             <a:pPr lvl="2"/>
@@ -6036,6 +6034,7 @@
               <a:rPr lang="en-US" dirty="0"/>
               <a:t>Third level</a:t>
             </a:r>
+            <a:endParaRPr lang="en-US" dirty="0"/>
           </a:p>
           <a:p>
             <a:pPr lvl="3"/>
@@ -6043,6 +6042,7 @@
               <a:rPr lang="en-US" dirty="0"/>
               <a:t>Fourth level</a:t>
             </a:r>
+            <a:endParaRPr lang="en-US" dirty="0"/>
           </a:p>
           <a:p>
             <a:pPr lvl="4"/>
@@ -6050,6 +6050,7 @@
               <a:rPr lang="en-US" dirty="0"/>
               <a:t>Fifth level</a:t>
             </a:r>
+            <a:endParaRPr lang="en-US" dirty="0"/>
           </a:p>
         </p:txBody>
       </p:sp>
@@ -6089,7 +6090,6 @@
           <a:p>
             <a:fld id="{4AAD347D-5ACD-4C99-B74B-A9C85AD731AF}" type="datetimeFigureOut">
               <a:rPr lang="en-US" dirty="0"/>
-              <a:t>5/10/2020</a:t>
             </a:fld>
             <a:endParaRPr lang="en-US" dirty="0"/>
           </a:p>
@@ -6168,38 +6168,32 @@
           <a:p>
             <a:fld id="{D57F1E4F-1CFF-5643-939E-02111984F565}" type="slidenum">
               <a:rPr lang="en-US" dirty="0"/>
-              <a:t>‹#›</a:t>
             </a:fld>
             <a:endParaRPr lang="en-US" dirty="0"/>
           </a:p>
         </p:txBody>
       </p:sp>
     </p:spTree>
-    <p:extLst>
-      <p:ext uri="{BB962C8B-B14F-4D97-AF65-F5344CB8AC3E}">
-        <p14:creationId xmlns:p14="http://schemas.microsoft.com/office/powerpoint/2010/main" val="1809853885"/>
-      </p:ext>
-    </p:extLst>
   </p:cSld>
   <p:clrMap bg1="dk1" tx1="lt1" bg2="dk2" tx2="lt2" accent1="accent1" accent2="accent2" accent3="accent3" accent4="accent4" accent5="accent5" accent6="accent6" hlink="hlink" folHlink="folHlink"/>
   <p:sldLayoutIdLst>
-    <p:sldLayoutId id="2147483673" r:id="rId1"/>
-    <p:sldLayoutId id="2147483674" r:id="rId2"/>
-    <p:sldLayoutId id="2147483675" r:id="rId3"/>
-    <p:sldLayoutId id="2147483676" r:id="rId4"/>
-    <p:sldLayoutId id="2147483677" r:id="rId5"/>
-    <p:sldLayoutId id="2147483678" r:id="rId6"/>
-    <p:sldLayoutId id="2147483679" r:id="rId7"/>
-    <p:sldLayoutId id="2147483680" r:id="rId8"/>
-    <p:sldLayoutId id="2147483681" r:id="rId9"/>
-    <p:sldLayoutId id="2147483682" r:id="rId10"/>
-    <p:sldLayoutId id="2147483683" r:id="rId11"/>
-    <p:sldLayoutId id="2147483684" r:id="rId12"/>
-    <p:sldLayoutId id="2147483685" r:id="rId13"/>
-    <p:sldLayoutId id="2147483686" r:id="rId14"/>
-    <p:sldLayoutId id="2147483687" r:id="rId15"/>
-    <p:sldLayoutId id="2147483688" r:id="rId16"/>
-    <p:sldLayoutId id="2147483689" r:id="rId17"/>
+    <p:sldLayoutId id="2147483649" r:id="rId1"/>
+    <p:sldLayoutId id="2147483650" r:id="rId2"/>
+    <p:sldLayoutId id="2147483651" r:id="rId3"/>
+    <p:sldLayoutId id="2147483652" r:id="rId4"/>
+    <p:sldLayoutId id="2147483653" r:id="rId5"/>
+    <p:sldLayoutId id="2147483654" r:id="rId6"/>
+    <p:sldLayoutId id="2147483655" r:id="rId7"/>
+    <p:sldLayoutId id="2147483656" r:id="rId8"/>
+    <p:sldLayoutId id="2147483657" r:id="rId9"/>
+    <p:sldLayoutId id="2147483658" r:id="rId10"/>
+    <p:sldLayoutId id="2147483659" r:id="rId11"/>
+    <p:sldLayoutId id="2147483660" r:id="rId12"/>
+    <p:sldLayoutId id="2147483661" r:id="rId13"/>
+    <p:sldLayoutId id="2147483662" r:id="rId14"/>
+    <p:sldLayoutId id="2147483663" r:id="rId15"/>
+    <p:sldLayoutId id="2147483664" r:id="rId16"/>
+    <p:sldLayoutId id="2147483665" r:id="rId17"/>
   </p:sldLayoutIdLst>
   <p:hf sldNum="0" hdr="0" ftr="0" dt="0"/>
   <p:txStyles>
@@ -6290,7 +6284,7 @@
           </a:schemeClr>
         </a:buClr>
         <a:buSzPct val="80000"/>
-        <a:buFont typeface="Wingdings 3" charset="2"/>
+        <a:buFont typeface="Wingdings 3" panose="05040102010807070707" charset="2"/>
         <a:buChar char=""/>
         <a:defRPr sz="2000" b="0" i="0" kern="1200">
           <a:solidFill>
@@ -6315,7 +6309,7 @@
           </a:schemeClr>
         </a:buClr>
         <a:buSzPct val="80000"/>
-        <a:buFont typeface="Wingdings 3" charset="2"/>
+        <a:buFont typeface="Wingdings 3" panose="05040102010807070707" charset="2"/>
         <a:buChar char=""/>
         <a:defRPr sz="1800" b="0" i="0" kern="1200">
           <a:solidFill>
@@ -6340,7 +6334,7 @@
           </a:schemeClr>
         </a:buClr>
         <a:buSzPct val="80000"/>
-        <a:buFont typeface="Wingdings 3" charset="2"/>
+        <a:buFont typeface="Wingdings 3" panose="05040102010807070707" charset="2"/>
         <a:buChar char=""/>
         <a:defRPr sz="1600" b="0" i="0" kern="1200">
           <a:solidFill>
@@ -6365,7 +6359,7 @@
           </a:schemeClr>
         </a:buClr>
         <a:buSzPct val="80000"/>
-        <a:buFont typeface="Wingdings 3" charset="2"/>
+        <a:buFont typeface="Wingdings 3" panose="05040102010807070707" charset="2"/>
         <a:buChar char=""/>
         <a:defRPr sz="1400" b="0" i="0" kern="1200">
           <a:solidFill>
@@ -6390,7 +6384,7 @@
           </a:schemeClr>
         </a:buClr>
         <a:buSzPct val="80000"/>
-        <a:buFont typeface="Wingdings 3" charset="2"/>
+        <a:buFont typeface="Wingdings 3" panose="05040102010807070707" charset="2"/>
         <a:buChar char=""/>
         <a:defRPr sz="1400" b="0" i="0" kern="1200">
           <a:solidFill>
@@ -6401,7 +6395,7 @@
           <a:cs typeface="+mj-cs"/>
         </a:defRPr>
       </a:lvl5pPr>
-      <a:lvl6pPr marL="2506000" indent="-228600" algn="l" defTabSz="457200" rtl="0" eaLnBrk="1" latinLnBrk="0" hangingPunct="1">
+      <a:lvl6pPr marL="2505710" indent="-228600" algn="l" defTabSz="457200" rtl="0" eaLnBrk="1" latinLnBrk="0" hangingPunct="1">
         <a:spcBef>
           <a:spcPts val="1000"/>
         </a:spcBef>
@@ -6415,7 +6409,7 @@
           </a:schemeClr>
         </a:buClr>
         <a:buSzPct val="80000"/>
-        <a:buFont typeface="Wingdings 3" charset="2"/>
+        <a:buFont typeface="Wingdings 3" panose="05040102010807070707" charset="2"/>
         <a:buChar char=""/>
         <a:defRPr sz="1400" b="0" i="0" kern="1200">
           <a:solidFill>
@@ -6440,7 +6434,7 @@
           </a:schemeClr>
         </a:buClr>
         <a:buSzPct val="80000"/>
-        <a:buFont typeface="Wingdings 3" charset="2"/>
+        <a:buFont typeface="Wingdings 3" panose="05040102010807070707" charset="2"/>
         <a:buChar char=""/>
         <a:defRPr sz="1400" b="0" i="0" kern="1200">
           <a:solidFill>
@@ -6465,7 +6459,7 @@
           </a:schemeClr>
         </a:buClr>
         <a:buSzPct val="80000"/>
-        <a:buFont typeface="Wingdings 3" charset="2"/>
+        <a:buFont typeface="Wingdings 3" panose="05040102010807070707" charset="2"/>
         <a:buChar char=""/>
         <a:defRPr sz="1400" b="0" i="0" kern="1200">
           <a:solidFill>
@@ -6490,7 +6484,7 @@
           </a:schemeClr>
         </a:buClr>
         <a:buSzPct val="80000"/>
-        <a:buFont typeface="Wingdings 3" charset="2"/>
+        <a:buFont typeface="Wingdings 3" panose="05040102010807070707" charset="2"/>
         <a:buChar char=""/>
         <a:defRPr sz="1400" b="0" i="0" kern="1200">
           <a:solidFill>
@@ -6640,10 +6634,13 @@
           <a:p>
             <a:r>
               <a:rPr lang="en-US">
-                <a:cs typeface="Calibri Light"/>
+                <a:cs typeface="Calibri Light" panose="020F0302020204030204"/>
               </a:rPr>
               <a:t>Chat App</a:t>
             </a:r>
+            <a:endParaRPr lang="en-US">
+              <a:cs typeface="Calibri Light" panose="020F0302020204030204"/>
+            </a:endParaRPr>
           </a:p>
         </p:txBody>
       </p:sp>
@@ -6671,16 +6668,19 @@
           <a:p>
             <a:r>
               <a:rPr lang="en-US" b="1" err="1">
-                <a:cs typeface="Calibri"/>
+                <a:cs typeface="Calibri" panose="020F0502020204030204"/>
               </a:rPr>
               <a:t>Kelompok</a:t>
             </a:r>
             <a:r>
               <a:rPr lang="en-US" b="1">
-                <a:cs typeface="Calibri"/>
+                <a:cs typeface="Calibri" panose="020F0502020204030204"/>
               </a:rPr>
               <a:t> 5 : </a:t>
             </a:r>
+            <a:endParaRPr lang="en-US" b="1">
+              <a:cs typeface="Calibri" panose="020F0502020204030204"/>
+            </a:endParaRPr>
           </a:p>
           <a:p>
             <a:r>
@@ -6809,11 +6809,6 @@
         </p:txBody>
       </p:sp>
     </p:spTree>
-    <p:extLst>
-      <p:ext uri="{BB962C8B-B14F-4D97-AF65-F5344CB8AC3E}">
-        <p14:creationId xmlns:p14="http://schemas.microsoft.com/office/powerpoint/2010/main" val="109857222"/>
-      </p:ext>
-    </p:extLst>
   </p:cSld>
   <p:clrMapOvr>
     <a:masterClrMapping/>
@@ -6840,13 +6835,7 @@
       </p:grpSpPr>
       <p:sp>
         <p:nvSpPr>
-          <p:cNvPr id="2" name="Title 1">
-            <a:extLst>
-              <a:ext uri="{FF2B5EF4-FFF2-40B4-BE49-F238E27FC236}">
-                <a16:creationId xmlns:a16="http://schemas.microsoft.com/office/drawing/2014/main" id="{5A9C0A4D-014E-41E2-A7E9-38ACD67C19D1}"/>
-              </a:ext>
-            </a:extLst>
-          </p:cNvPr>
+          <p:cNvPr id="2" name="Title 1"/>
           <p:cNvSpPr>
             <a:spLocks noGrp="1"/>
           </p:cNvSpPr>
@@ -6886,13 +6875,7 @@
       </p:sp>
       <p:sp>
         <p:nvSpPr>
-          <p:cNvPr id="3" name="Content Placeholder 2">
-            <a:extLst>
-              <a:ext uri="{FF2B5EF4-FFF2-40B4-BE49-F238E27FC236}">
-                <a16:creationId xmlns:a16="http://schemas.microsoft.com/office/drawing/2014/main" id="{0A1B0F24-11B4-4B7F-9DB3-8D2632DEAD5D}"/>
-              </a:ext>
-            </a:extLst>
-          </p:cNvPr>
+          <p:cNvPr id="3" name="Content Placeholder 2"/>
           <p:cNvSpPr>
             <a:spLocks noGrp="1"/>
           </p:cNvSpPr>
@@ -6949,45 +6932,17 @@
             </a:r>
             <a:r>
               <a:rPr lang="en-US" err="1"/>
-              <a:t>Aplikasi</a:t>
-            </a:r>
-            <a:r>
-              <a:rPr lang="en-US"/>
-              <a:t> </a:t>
-            </a:r>
-            <a:r>
-              <a:rPr lang="en-US" err="1"/>
-              <a:t>ini</a:t>
-            </a:r>
-            <a:r>
-              <a:rPr lang="en-US"/>
-              <a:t> </a:t>
-            </a:r>
-            <a:r>
-              <a:rPr lang="en-US" err="1"/>
-              <a:t>berjalan</a:t>
+              <a:t>Aplikasi ini merupakan aplikasi desktop.</a:t>
             </a:r>
             <a:r>
               <a:rPr lang="en-US"/>
               <a:t> </a:t>
             </a:r>
-            <a:r>
-              <a:rPr lang="en-US" err="1"/>
-              <a:t>dibrowser</a:t>
-            </a:r>
-            <a:r>
-              <a:rPr lang="en-US"/>
-              <a:t>. </a:t>
-            </a:r>
+            <a:endParaRPr lang="en-US"/>
           </a:p>
         </p:txBody>
       </p:sp>
     </p:spTree>
-    <p:extLst>
-      <p:ext uri="{BB962C8B-B14F-4D97-AF65-F5344CB8AC3E}">
-        <p14:creationId xmlns:p14="http://schemas.microsoft.com/office/powerpoint/2010/main" val="3525707684"/>
-      </p:ext>
-    </p:extLst>
   </p:cSld>
   <p:clrMapOvr>
     <a:masterClrMapping/>
@@ -7014,13 +6969,7 @@
       </p:grpSpPr>
       <p:sp>
         <p:nvSpPr>
-          <p:cNvPr id="2" name="Title 1">
-            <a:extLst>
-              <a:ext uri="{FF2B5EF4-FFF2-40B4-BE49-F238E27FC236}">
-                <a16:creationId xmlns:a16="http://schemas.microsoft.com/office/drawing/2014/main" id="{D7B7FEAD-9737-4E37-AA5E-9DA21DD48672}"/>
-              </a:ext>
-            </a:extLst>
-          </p:cNvPr>
+          <p:cNvPr id="2" name="Title 1"/>
           <p:cNvSpPr>
             <a:spLocks noGrp="1"/>
           </p:cNvSpPr>
@@ -7035,7 +6984,7 @@
           <a:p>
             <a:r>
               <a:rPr lang="en-US">
-                <a:cs typeface="Calibri Light"/>
+                <a:cs typeface="Calibri Light" panose="020F0302020204030204"/>
               </a:rPr>
               <a:t>Deskripsi </a:t>
             </a:r>
@@ -7045,13 +6994,7 @@
       </p:sp>
       <p:sp>
         <p:nvSpPr>
-          <p:cNvPr id="3" name="Content Placeholder 2">
-            <a:extLst>
-              <a:ext uri="{FF2B5EF4-FFF2-40B4-BE49-F238E27FC236}">
-                <a16:creationId xmlns:a16="http://schemas.microsoft.com/office/drawing/2014/main" id="{99190BC3-9C21-461D-BE99-2368DC6C5B76}"/>
-              </a:ext>
-            </a:extLst>
-          </p:cNvPr>
+          <p:cNvPr id="3" name="Content Placeholder 2"/>
           <p:cNvSpPr>
             <a:spLocks noGrp="1"/>
           </p:cNvSpPr>
@@ -7068,164 +7011,167 @@
           <a:p>
             <a:r>
               <a:rPr lang="en-US" err="1">
-                <a:cs typeface="Calibri"/>
+                <a:cs typeface="Calibri" panose="020F0502020204030204"/>
               </a:rPr>
               <a:t>Berupa</a:t>
             </a:r>
             <a:r>
               <a:rPr lang="en-US">
-                <a:cs typeface="Calibri"/>
+                <a:cs typeface="Calibri" panose="020F0502020204030204"/>
               </a:rPr>
               <a:t> room chat </a:t>
             </a:r>
             <a:r>
               <a:rPr lang="en-US" err="1">
-                <a:cs typeface="Calibri"/>
+                <a:cs typeface="Calibri" panose="020F0502020204030204"/>
               </a:rPr>
               <a:t>dengan</a:t>
             </a:r>
             <a:r>
               <a:rPr lang="en-US" dirty="0">
-                <a:cs typeface="Calibri"/>
+                <a:cs typeface="Calibri" panose="020F0502020204030204"/>
               </a:rPr>
               <a:t> </a:t>
             </a:r>
             <a:r>
               <a:rPr lang="en-US" err="1">
-                <a:cs typeface="Calibri"/>
+                <a:cs typeface="Calibri" panose="020F0502020204030204"/>
               </a:rPr>
               <a:t>tampilan</a:t>
             </a:r>
             <a:r>
               <a:rPr lang="en-US">
-                <a:cs typeface="Calibri"/>
+                <a:cs typeface="Calibri" panose="020F0502020204030204"/>
               </a:rPr>
               <a:t> GUI. </a:t>
             </a:r>
             <a:r>
               <a:rPr lang="en-US" err="1">
-                <a:cs typeface="Calibri"/>
+                <a:cs typeface="Calibri" panose="020F0502020204030204"/>
               </a:rPr>
               <a:t>Selain</a:t>
             </a:r>
             <a:r>
               <a:rPr lang="en-US" dirty="0">
-                <a:cs typeface="Calibri"/>
+                <a:cs typeface="Calibri" panose="020F0502020204030204"/>
               </a:rPr>
               <a:t> </a:t>
             </a:r>
             <a:r>
               <a:rPr lang="en-US" err="1">
-                <a:cs typeface="Calibri"/>
+                <a:cs typeface="Calibri" panose="020F0502020204030204"/>
               </a:rPr>
               <a:t>mengirim</a:t>
             </a:r>
             <a:r>
               <a:rPr lang="en-US">
-                <a:cs typeface="Calibri"/>
+                <a:cs typeface="Calibri" panose="020F0502020204030204"/>
               </a:rPr>
               <a:t> chat </a:t>
             </a:r>
             <a:r>
               <a:rPr lang="en-US" err="1">
-                <a:cs typeface="Calibri"/>
+                <a:cs typeface="Calibri" panose="020F0502020204030204"/>
               </a:rPr>
               <a:t>antara</a:t>
             </a:r>
             <a:r>
               <a:rPr lang="en-US" dirty="0">
-                <a:cs typeface="Calibri"/>
+                <a:cs typeface="Calibri" panose="020F0502020204030204"/>
               </a:rPr>
               <a:t> </a:t>
             </a:r>
             <a:r>
               <a:rPr lang="en-US" err="1">
-                <a:cs typeface="Calibri"/>
+                <a:cs typeface="Calibri" panose="020F0502020204030204"/>
               </a:rPr>
               <a:t>satu</a:t>
             </a:r>
             <a:r>
               <a:rPr lang="en-US" dirty="0">
-                <a:cs typeface="Calibri"/>
+                <a:cs typeface="Calibri" panose="020F0502020204030204"/>
               </a:rPr>
               <a:t> </a:t>
             </a:r>
             <a:r>
               <a:rPr lang="en-US" err="1">
-                <a:cs typeface="Calibri"/>
+                <a:cs typeface="Calibri" panose="020F0502020204030204"/>
               </a:rPr>
               <a:t>dengan</a:t>
             </a:r>
             <a:r>
               <a:rPr lang="en-US">
-                <a:cs typeface="Calibri"/>
+                <a:cs typeface="Calibri" panose="020F0502020204030204"/>
               </a:rPr>
               <a:t> yang lain, </a:t>
             </a:r>
             <a:r>
               <a:rPr lang="en-US" err="1">
-                <a:cs typeface="Calibri"/>
+                <a:cs typeface="Calibri" panose="020F0502020204030204"/>
               </a:rPr>
               <a:t>pengguna</a:t>
             </a:r>
             <a:r>
               <a:rPr lang="en-US">
-                <a:cs typeface="Calibri"/>
+                <a:cs typeface="Calibri" panose="020F0502020204030204"/>
               </a:rPr>
               <a:t> juga </a:t>
             </a:r>
             <a:r>
               <a:rPr lang="en-US" err="1">
-                <a:cs typeface="Calibri"/>
+                <a:cs typeface="Calibri" panose="020F0502020204030204"/>
               </a:rPr>
               <a:t>bisa</a:t>
             </a:r>
             <a:r>
               <a:rPr lang="en-US" dirty="0">
-                <a:cs typeface="Calibri"/>
+                <a:cs typeface="Calibri" panose="020F0502020204030204"/>
               </a:rPr>
               <a:t> </a:t>
             </a:r>
             <a:r>
               <a:rPr lang="en-US" err="1">
-                <a:cs typeface="Calibri"/>
+                <a:cs typeface="Calibri" panose="020F0502020204030204"/>
               </a:rPr>
               <a:t>saling</a:t>
             </a:r>
             <a:r>
               <a:rPr lang="en-US" dirty="0">
-                <a:cs typeface="Calibri"/>
+                <a:cs typeface="Calibri" panose="020F0502020204030204"/>
               </a:rPr>
               <a:t> </a:t>
             </a:r>
             <a:r>
               <a:rPr lang="en-US" err="1">
-                <a:cs typeface="Calibri"/>
+                <a:cs typeface="Calibri" panose="020F0502020204030204"/>
               </a:rPr>
               <a:t>mengirim</a:t>
             </a:r>
             <a:r>
               <a:rPr lang="en-US" dirty="0">
-                <a:cs typeface="Calibri"/>
+                <a:cs typeface="Calibri" panose="020F0502020204030204"/>
               </a:rPr>
               <a:t> </a:t>
             </a:r>
             <a:r>
               <a:rPr lang="en-US">
-                <a:cs typeface="Calibri"/>
+                <a:cs typeface="Calibri" panose="020F0502020204030204"/>
               </a:rPr>
               <a:t>file.</a:t>
             </a:r>
+            <a:endParaRPr lang="en-US">
+              <a:cs typeface="Calibri" panose="020F0502020204030204"/>
+            </a:endParaRPr>
           </a:p>
           <a:p>
             <a:r>
               <a:rPr lang="en-US">
-                <a:cs typeface="Calibri"/>
+                <a:cs typeface="Calibri" panose="020F0502020204030204"/>
               </a:rPr>
               <a:t>Workflow : </a:t>
             </a:r>
             <a:endParaRPr lang="en-US" dirty="0">
-              <a:cs typeface="Calibri"/>
+              <a:cs typeface="Calibri" panose="020F0502020204030204"/>
             </a:endParaRPr>
           </a:p>
           <a:p>
@@ -7233,27 +7179,21 @@
               <a:buNone/>
             </a:pPr>
             <a:endParaRPr lang="en-US" dirty="0">
-              <a:cs typeface="Calibri"/>
+              <a:cs typeface="Calibri" panose="020F0502020204030204"/>
             </a:endParaRPr>
           </a:p>
         </p:txBody>
       </p:sp>
       <p:pic>
         <p:nvPicPr>
-          <p:cNvPr id="5" name="Picture 5" descr="A close up of a logo&#10;&#10;Description generated with very high confidence">
-            <a:extLst>
-              <a:ext uri="{FF2B5EF4-FFF2-40B4-BE49-F238E27FC236}">
-                <a16:creationId xmlns:a16="http://schemas.microsoft.com/office/drawing/2014/main" id="{9EAE00A4-109A-4F0A-90CE-98C949497097}"/>
-              </a:ext>
-            </a:extLst>
-          </p:cNvPr>
+          <p:cNvPr id="5" name="Picture 5" descr="A close up of a logo&#10;&#10;Description generated with very high confidence"/>
           <p:cNvPicPr>
             <a:picLocks noChangeAspect="1"/>
           </p:cNvPicPr>
           <p:nvPr/>
         </p:nvPicPr>
         <p:blipFill>
-          <a:blip r:embed="rId2"/>
+          <a:blip r:embed="rId1"/>
           <a:stretch>
             <a:fillRect/>
           </a:stretch>
@@ -7269,15 +7209,11 @@
         </p:spPr>
       </p:pic>
     </p:spTree>
-    <p:extLst>
-      <p:ext uri="{BB962C8B-B14F-4D97-AF65-F5344CB8AC3E}">
-        <p14:creationId xmlns:p14="http://schemas.microsoft.com/office/powerpoint/2010/main" val="460262926"/>
-      </p:ext>
-    </p:extLst>
   </p:cSld>
   <p:clrMapOvr>
     <a:masterClrMapping/>
   </p:clrMapOvr>
+  <p:transition/>
 </p:sld>
 </file>
 
@@ -7300,13 +7236,7 @@
       </p:grpSpPr>
       <p:sp>
         <p:nvSpPr>
-          <p:cNvPr id="2" name="Title 1">
-            <a:extLst>
-              <a:ext uri="{FF2B5EF4-FFF2-40B4-BE49-F238E27FC236}">
-                <a16:creationId xmlns:a16="http://schemas.microsoft.com/office/drawing/2014/main" id="{04DBC902-DC03-42D9-BE00-06A2EC3BFCAA}"/>
-              </a:ext>
-            </a:extLst>
-          </p:cNvPr>
+          <p:cNvPr id="2" name="Title 1"/>
           <p:cNvSpPr>
             <a:spLocks noGrp="1"/>
           </p:cNvSpPr>
@@ -7321,55 +7251,55 @@
           <a:p>
             <a:r>
               <a:rPr lang="en-US" sz="3600" err="1">
-                <a:cs typeface="Calibri Light"/>
+                <a:cs typeface="Calibri Light" panose="020F0302020204030204"/>
               </a:rPr>
               <a:t>Fitur</a:t>
             </a:r>
             <a:r>
               <a:rPr lang="en-US" sz="3600">
-                <a:cs typeface="Calibri Light"/>
+                <a:cs typeface="Calibri Light" panose="020F0302020204030204"/>
               </a:rPr>
               <a:t> </a:t>
             </a:r>
             <a:r>
               <a:rPr lang="en-US" sz="3600" err="1">
-                <a:cs typeface="Calibri Light"/>
+                <a:cs typeface="Calibri Light" panose="020F0302020204030204"/>
               </a:rPr>
               <a:t>dari</a:t>
             </a:r>
             <a:r>
               <a:rPr lang="en-US" sz="3600">
-                <a:cs typeface="Calibri Light"/>
+                <a:cs typeface="Calibri Light" panose="020F0302020204030204"/>
               </a:rPr>
               <a:t> </a:t>
             </a:r>
             <a:r>
               <a:rPr lang="en-US" sz="3600" err="1">
-                <a:cs typeface="Calibri Light"/>
+                <a:cs typeface="Calibri Light" panose="020F0302020204030204"/>
               </a:rPr>
               <a:t>kuliah</a:t>
             </a:r>
             <a:r>
               <a:rPr lang="en-US" sz="3600">
-                <a:cs typeface="Calibri Light"/>
+                <a:cs typeface="Calibri Light" panose="020F0302020204030204"/>
               </a:rPr>
               <a:t> yang </a:t>
             </a:r>
             <a:r>
               <a:rPr lang="en-US" sz="3600" err="1">
-                <a:cs typeface="Calibri Light"/>
+                <a:cs typeface="Calibri Light" panose="020F0302020204030204"/>
               </a:rPr>
               <a:t>akan</a:t>
             </a:r>
             <a:r>
               <a:rPr lang="en-US" sz="3600">
-                <a:cs typeface="Calibri Light"/>
+                <a:cs typeface="Calibri Light" panose="020F0302020204030204"/>
               </a:rPr>
               <a:t> </a:t>
             </a:r>
             <a:r>
               <a:rPr lang="en-US" sz="3600" err="1">
-                <a:cs typeface="Calibri Light"/>
+                <a:cs typeface="Calibri Light" panose="020F0302020204030204"/>
               </a:rPr>
               <a:t>digunakan</a:t>
             </a:r>
@@ -7379,13 +7309,7 @@
       </p:sp>
       <p:sp>
         <p:nvSpPr>
-          <p:cNvPr id="3" name="Content Placeholder 2">
-            <a:extLst>
-              <a:ext uri="{FF2B5EF4-FFF2-40B4-BE49-F238E27FC236}">
-                <a16:creationId xmlns:a16="http://schemas.microsoft.com/office/drawing/2014/main" id="{B11FEE8E-4B86-454D-9DCA-7FFCC3076BA9}"/>
-              </a:ext>
-            </a:extLst>
-          </p:cNvPr>
+          <p:cNvPr id="3" name="Content Placeholder 2"/>
           <p:cNvSpPr>
             <a:spLocks noGrp="1"/>
           </p:cNvSpPr>
@@ -7486,7 +7410,20 @@
                 <a:ea typeface="+mn-lt"/>
                 <a:cs typeface="+mn-lt"/>
               </a:rPr>
-              <a:t>HTTP Server - </a:t>
+              <a:t>Select - untuk menangani banyak client dalam satu waktu</a:t>
+            </a:r>
+            <a:endParaRPr lang="en-US">
+              <a:ea typeface="+mn-lt"/>
+              <a:cs typeface="+mn-lt"/>
+            </a:endParaRPr>
+          </a:p>
+          <a:p>
+            <a:r>
+              <a:rPr lang="en-US">
+                <a:ea typeface="+mn-lt"/>
+                <a:cs typeface="+mn-lt"/>
+              </a:rPr>
+              <a:t>Socket - </a:t>
             </a:r>
             <a:r>
               <a:rPr lang="en-US" err="1">
@@ -7507,14 +7444,14 @@
                 <a:ea typeface="+mn-lt"/>
                 <a:cs typeface="+mn-lt"/>
               </a:rPr>
-              <a:t>nampilin</a:t>
+              <a:t>transisi</a:t>
             </a:r>
             <a:r>
               <a:rPr lang="en-US">
                 <a:ea typeface="+mn-lt"/>
                 <a:cs typeface="+mn-lt"/>
               </a:rPr>
-              <a:t> di browser</a:t>
+              <a:t> data client-server</a:t>
             </a:r>
             <a:endParaRPr lang="en-US"/>
           </a:p>
@@ -7524,14 +7461,14 @@
                 <a:ea typeface="+mn-lt"/>
                 <a:cs typeface="+mn-lt"/>
               </a:rPr>
-              <a:t>Socket - </a:t>
+              <a:t>Thread - agar </a:t>
             </a:r>
             <a:r>
               <a:rPr lang="en-US" err="1">
                 <a:ea typeface="+mn-lt"/>
                 <a:cs typeface="+mn-lt"/>
               </a:rPr>
-              <a:t>buat</a:t>
+              <a:t>bisa</a:t>
             </a:r>
             <a:r>
               <a:rPr lang="en-US">
@@ -7545,72 +7482,34 @@
                 <a:ea typeface="+mn-lt"/>
                 <a:cs typeface="+mn-lt"/>
               </a:rPr>
-              <a:t>transisi</a:t>
+              <a:t>menjalankan</a:t>
             </a:r>
             <a:r>
               <a:rPr lang="en-US">
                 <a:ea typeface="+mn-lt"/>
                 <a:cs typeface="+mn-lt"/>
               </a:rPr>
-              <a:t> data client-server</a:t>
-            </a:r>
-            <a:endParaRPr lang="en-US"/>
-          </a:p>
-          <a:p>
+              <a:t> proses </a:t>
+            </a:r>
+            <a:r>
+              <a:rPr lang="en-US" err="1">
+                <a:ea typeface="+mn-lt"/>
+                <a:cs typeface="+mn-lt"/>
+              </a:rPr>
+              <a:t>secara</a:t>
+            </a:r>
             <a:r>
               <a:rPr lang="en-US">
                 <a:ea typeface="+mn-lt"/>
                 <a:cs typeface="+mn-lt"/>
               </a:rPr>
-              <a:t>Thread - agar </a:t>
+              <a:t> </a:t>
             </a:r>
             <a:r>
               <a:rPr lang="en-US" err="1">
                 <a:ea typeface="+mn-lt"/>
                 <a:cs typeface="+mn-lt"/>
               </a:rPr>
-              <a:t>bisa</a:t>
-            </a:r>
-            <a:r>
-              <a:rPr lang="en-US">
-                <a:ea typeface="+mn-lt"/>
-                <a:cs typeface="+mn-lt"/>
-              </a:rPr>
-              <a:t> </a:t>
-            </a:r>
-            <a:r>
-              <a:rPr lang="en-US" err="1">
-                <a:ea typeface="+mn-lt"/>
-                <a:cs typeface="+mn-lt"/>
-              </a:rPr>
-              <a:t>menjalankan</a:t>
-            </a:r>
-            <a:r>
-              <a:rPr lang="en-US">
-                <a:ea typeface="+mn-lt"/>
-                <a:cs typeface="+mn-lt"/>
-              </a:rPr>
-              <a:t> proses </a:t>
-            </a:r>
-            <a:r>
-              <a:rPr lang="en-US" err="1">
-                <a:ea typeface="+mn-lt"/>
-                <a:cs typeface="+mn-lt"/>
-              </a:rPr>
-              <a:t>secara</a:t>
-            </a:r>
-            <a:r>
-              <a:rPr lang="en-US">
-                <a:ea typeface="+mn-lt"/>
-                <a:cs typeface="+mn-lt"/>
-              </a:rPr>
-              <a:t> </a:t>
-            </a:r>
-            <a:r>
-              <a:rPr lang="en-US" err="1">
-                <a:ea typeface="+mn-lt"/>
-                <a:cs typeface="+mn-lt"/>
-              </a:rPr>
               <a:t>bersamaan</a:t>
             </a:r>
             <a:endParaRPr lang="en-US" err="1"/>
@@ -7618,11 +7517,6 @@
         </p:txBody>
       </p:sp>
     </p:spTree>
-    <p:extLst>
-      <p:ext uri="{BB962C8B-B14F-4D97-AF65-F5344CB8AC3E}">
-        <p14:creationId xmlns:p14="http://schemas.microsoft.com/office/powerpoint/2010/main" val="4046517986"/>
-      </p:ext>
-    </p:extLst>
   </p:cSld>
   <p:clrMapOvr>
     <a:masterClrMapping/>
@@ -7649,13 +7543,7 @@
       </p:grpSpPr>
       <p:sp>
         <p:nvSpPr>
-          <p:cNvPr id="2" name="Title 1">
-            <a:extLst>
-              <a:ext uri="{FF2B5EF4-FFF2-40B4-BE49-F238E27FC236}">
-                <a16:creationId xmlns:a16="http://schemas.microsoft.com/office/drawing/2014/main" id="{5471DD00-9FB5-4E53-85F2-A91A39DAF40A}"/>
-              </a:ext>
-            </a:extLst>
-          </p:cNvPr>
+          <p:cNvPr id="2" name="Title 1"/>
           <p:cNvSpPr>
             <a:spLocks noGrp="1"/>
           </p:cNvSpPr>
@@ -7708,13 +7596,7 @@
       </p:sp>
       <p:sp>
         <p:nvSpPr>
-          <p:cNvPr id="3" name="Content Placeholder 2">
-            <a:extLst>
-              <a:ext uri="{FF2B5EF4-FFF2-40B4-BE49-F238E27FC236}">
-                <a16:creationId xmlns:a16="http://schemas.microsoft.com/office/drawing/2014/main" id="{5221BE21-71C6-45BD-A631-84BF7965CE7C}"/>
-              </a:ext>
-            </a:extLst>
-          </p:cNvPr>
+          <p:cNvPr id="3" name="Content Placeholder 2"/>
           <p:cNvSpPr>
             <a:spLocks noGrp="1"/>
           </p:cNvSpPr>
@@ -7733,6 +7615,7 @@
               <a:rPr lang="en-US"/>
               <a:t>Socket dan Thread ( Kelompok Carlo dan Raja)</a:t>
             </a:r>
+            <a:endParaRPr lang="en-US"/>
           </a:p>
           <a:p>
             <a:r>
@@ -7754,11 +7637,6 @@
         </p:txBody>
       </p:sp>
     </p:spTree>
-    <p:extLst>
-      <p:ext uri="{BB962C8B-B14F-4D97-AF65-F5344CB8AC3E}">
-        <p14:creationId xmlns:p14="http://schemas.microsoft.com/office/powerpoint/2010/main" val="1936909981"/>
-      </p:ext>
-    </p:extLst>
   </p:cSld>
   <p:clrMapOvr>
     <a:masterClrMapping/>
@@ -7785,13 +7663,7 @@
       </p:grpSpPr>
       <p:sp>
         <p:nvSpPr>
-          <p:cNvPr id="2" name="Title 1">
-            <a:extLst>
-              <a:ext uri="{FF2B5EF4-FFF2-40B4-BE49-F238E27FC236}">
-                <a16:creationId xmlns:a16="http://schemas.microsoft.com/office/drawing/2014/main" id="{D85E6042-58BA-49CE-8B57-7441EFACB9FA}"/>
-              </a:ext>
-            </a:extLst>
-          </p:cNvPr>
+          <p:cNvPr id="2" name="Title 1"/>
           <p:cNvSpPr>
             <a:spLocks noGrp="1"/>
           </p:cNvSpPr>
@@ -7817,13 +7689,7 @@
       </p:sp>
       <p:sp>
         <p:nvSpPr>
-          <p:cNvPr id="3" name="Content Placeholder 2">
-            <a:extLst>
-              <a:ext uri="{FF2B5EF4-FFF2-40B4-BE49-F238E27FC236}">
-                <a16:creationId xmlns:a16="http://schemas.microsoft.com/office/drawing/2014/main" id="{205EBE3C-F60C-4BFE-81BB-41656FB2A677}"/>
-              </a:ext>
-            </a:extLst>
-          </p:cNvPr>
+          <p:cNvPr id="3" name="Content Placeholder 2"/>
           <p:cNvSpPr>
             <a:spLocks noGrp="1"/>
           </p:cNvSpPr>
@@ -7849,20 +7715,14 @@
       </p:sp>
       <p:pic>
         <p:nvPicPr>
-          <p:cNvPr id="6" name="Picture 6" descr="A screenshot of a cell phone&#10;&#10;Description generated with very high confidence">
-            <a:extLst>
-              <a:ext uri="{FF2B5EF4-FFF2-40B4-BE49-F238E27FC236}">
-                <a16:creationId xmlns:a16="http://schemas.microsoft.com/office/drawing/2014/main" id="{4310AD40-C1F4-44E0-AC71-7A77CD35277E}"/>
-              </a:ext>
-            </a:extLst>
-          </p:cNvPr>
+          <p:cNvPr id="6" name="Picture 6" descr="A screenshot of a cell phone&#10;&#10;Description generated with very high confidence"/>
           <p:cNvPicPr>
             <a:picLocks noChangeAspect="1"/>
           </p:cNvPicPr>
           <p:nvPr/>
         </p:nvPicPr>
         <p:blipFill>
-          <a:blip r:embed="rId3"/>
+          <a:blip r:embed="rId1"/>
           <a:stretch>
             <a:fillRect/>
           </a:stretch>
@@ -7878,11 +7738,6 @@
         </p:spPr>
       </p:pic>
     </p:spTree>
-    <p:extLst>
-      <p:ext uri="{BB962C8B-B14F-4D97-AF65-F5344CB8AC3E}">
-        <p14:creationId xmlns:p14="http://schemas.microsoft.com/office/powerpoint/2010/main" val="1287591205"/>
-      </p:ext>
-    </p:extLst>
   </p:cSld>
   <p:clrMapOvr>
     <a:masterClrMapping/>
@@ -7909,13 +7764,7 @@
       </p:grpSpPr>
       <p:sp>
         <p:nvSpPr>
-          <p:cNvPr id="2" name="Title 1">
-            <a:extLst>
-              <a:ext uri="{FF2B5EF4-FFF2-40B4-BE49-F238E27FC236}">
-                <a16:creationId xmlns:a16="http://schemas.microsoft.com/office/drawing/2014/main" id="{FB5E1392-194A-4EE1-964C-8429ABCF5DC4}"/>
-              </a:ext>
-            </a:extLst>
-          </p:cNvPr>
+          <p:cNvPr id="2" name="Title 1"/>
           <p:cNvSpPr>
             <a:spLocks noGrp="1"/>
           </p:cNvSpPr>
@@ -7941,13 +7790,7 @@
       </p:sp>
       <p:sp>
         <p:nvSpPr>
-          <p:cNvPr id="3" name="Content Placeholder 2">
-            <a:extLst>
-              <a:ext uri="{FF2B5EF4-FFF2-40B4-BE49-F238E27FC236}">
-                <a16:creationId xmlns:a16="http://schemas.microsoft.com/office/drawing/2014/main" id="{64FD379E-E133-49B5-9318-BC8D4D65F536}"/>
-              </a:ext>
-            </a:extLst>
-          </p:cNvPr>
+          <p:cNvPr id="3" name="Content Placeholder 2"/>
           <p:cNvSpPr>
             <a:spLocks noGrp="1"/>
           </p:cNvSpPr>
@@ -7966,6 +7809,7 @@
               <a:rPr lang="en-US"/>
               <a:t>22 Mei :</a:t>
             </a:r>
+            <a:endParaRPr lang="en-US"/>
           </a:p>
           <a:p>
             <a:r>
@@ -7994,11 +7838,6 @@
         </p:txBody>
       </p:sp>
     </p:spTree>
-    <p:extLst>
-      <p:ext uri="{BB962C8B-B14F-4D97-AF65-F5344CB8AC3E}">
-        <p14:creationId xmlns:p14="http://schemas.microsoft.com/office/powerpoint/2010/main" val="3425204562"/>
-      </p:ext>
-    </p:extLst>
   </p:cSld>
   <p:clrMapOvr>
     <a:masterClrMapping/>
@@ -8049,7 +7888,7 @@
     </a:clrScheme>
     <a:fontScheme name="Ion">
       <a:majorFont>
-        <a:latin typeface="Century Gothic" panose="020B0502020202020204"/>
+        <a:latin typeface="Century Gothic"/>
         <a:ea typeface=""/>
         <a:cs typeface=""/>
         <a:font script="Jpan" typeface="メイリオ"/>
@@ -8084,7 +7923,7 @@
         <a:font script="Geor" typeface="Sylfaen"/>
       </a:majorFont>
       <a:minorFont>
-        <a:latin typeface="Century Gothic" panose="020B0502020202020204"/>
+        <a:latin typeface="Century Gothic"/>
         <a:ea typeface=""/>
         <a:cs typeface=""/>
         <a:font script="Jpan" typeface="メイリオ"/>
@@ -8257,16 +8096,16 @@
               </a:schemeClr>
             </a:duotone>
           </a:blip>
-          <a:stretch/>
+          <a:stretch>
+            <a:fillRect/>
+          </a:stretch>
         </a:blipFill>
       </a:bgFillStyleLst>
     </a:fmtScheme>
   </a:themeElements>
-  <a:objectDefaults/>
-  <a:extraClrSchemeLst/>
   <a:extLst>
     <a:ext uri="{05A4C25C-085E-4340-85A3-A5531E510DB2}">
-      <thm15:themeFamily xmlns:thm15="http://schemas.microsoft.com/office/thememl/2012/main" name="Ion" id="{B8441ADB-2E43-4AF7-B97A-BD870242C6A8}" vid="{292E63A9-BB86-4E3D-B92A-7223C6510D2E}"/>
+      <thm15:themeFamily xmlns:thm15="http://schemas.microsoft.com/office/thememl/2012/main" name="Office Theme" id="{62F939B6-93AF-4DB8-9C6B-D6C7DFDC589F}" vid="{4A3C46E8-61CC-4603-A589-7422A47A8E4A}"/>
     </a:ext>
   </a:extLst>
 </a:theme>
@@ -8315,7 +8154,7 @@
     </a:clrScheme>
     <a:fontScheme name="Office">
       <a:majorFont>
-        <a:latin typeface="Calibri Light" panose="020F0302020204030204"/>
+        <a:latin typeface="Calibri Light"/>
         <a:ea typeface=""/>
         <a:cs typeface=""/>
         <a:font script="Jpan" typeface="游ゴシック Light"/>
@@ -8348,26 +8187,9 @@
         <a:font script="Viet" typeface="Times New Roman"/>
         <a:font script="Uigh" typeface="Microsoft Uighur"/>
         <a:font script="Geor" typeface="Sylfaen"/>
-        <a:font script="Armn" typeface="Arial"/>
-        <a:font script="Bugi" typeface="Leelawadee UI"/>
-        <a:font script="Bopo" typeface="Microsoft JhengHei"/>
-        <a:font script="Java" typeface="Javanese Text"/>
-        <a:font script="Lisu" typeface="Segoe UI"/>
-        <a:font script="Mymr" typeface="Myanmar Text"/>
-        <a:font script="Nkoo" typeface="Ebrima"/>
-        <a:font script="Olck" typeface="Nirmala UI"/>
-        <a:font script="Osma" typeface="Ebrima"/>
-        <a:font script="Phag" typeface="Phagspa"/>
-        <a:font script="Syrn" typeface="Estrangelo Edessa"/>
-        <a:font script="Syrj" typeface="Estrangelo Edessa"/>
-        <a:font script="Syre" typeface="Estrangelo Edessa"/>
-        <a:font script="Sora" typeface="Nirmala UI"/>
-        <a:font script="Tale" typeface="Microsoft Tai Le"/>
-        <a:font script="Talu" typeface="Microsoft New Tai Lue"/>
-        <a:font script="Tfng" typeface="Ebrima"/>
       </a:majorFont>
       <a:minorFont>
-        <a:latin typeface="Calibri" panose="020F0502020204030204"/>
+        <a:latin typeface="Calibri"/>
         <a:ea typeface=""/>
         <a:cs typeface=""/>
         <a:font script="Jpan" typeface="游ゴシック"/>
@@ -8400,23 +8222,6 @@
         <a:font script="Viet" typeface="Arial"/>
         <a:font script="Uigh" typeface="Microsoft Uighur"/>
         <a:font script="Geor" typeface="Sylfaen"/>
-        <a:font script="Armn" typeface="Arial"/>
-        <a:font script="Bugi" typeface="Leelawadee UI"/>
-        <a:font script="Bopo" typeface="Microsoft JhengHei"/>
-        <a:font script="Java" typeface="Javanese Text"/>
-        <a:font script="Lisu" typeface="Segoe UI"/>
-        <a:font script="Mymr" typeface="Myanmar Text"/>
-        <a:font script="Nkoo" typeface="Ebrima"/>
-        <a:font script="Olck" typeface="Nirmala UI"/>
-        <a:font script="Osma" typeface="Ebrima"/>
-        <a:font script="Phag" typeface="Phagspa"/>
-        <a:font script="Syrn" typeface="Estrangelo Edessa"/>
-        <a:font script="Syrj" typeface="Estrangelo Edessa"/>
-        <a:font script="Syre" typeface="Estrangelo Edessa"/>
-        <a:font script="Sora" typeface="Nirmala UI"/>
-        <a:font script="Tale" typeface="Microsoft Tai Le"/>
-        <a:font script="Talu" typeface="Microsoft New Tai Lue"/>
-        <a:font script="Tfng" typeface="Ebrima"/>
       </a:minorFont>
     </a:fontScheme>
     <a:fmtScheme name="Office">
@@ -8557,8 +8362,6 @@
       </a:bgFillStyleLst>
     </a:fmtScheme>
   </a:themeElements>
-  <a:objectDefaults/>
-  <a:extraClrSchemeLst/>
   <a:extLst>
     <a:ext uri="{05A4C25C-085E-4340-85A3-A5531E510DB2}">
       <thm15:themeFamily xmlns:thm15="http://schemas.microsoft.com/office/thememl/2012/main" name="Office Theme" id="{62F939B6-93AF-4DB8-9C6B-D6C7DFDC589F}" vid="{4A3C46E8-61CC-4603-A589-7422A47A8E4A}"/>

--- a/Presentations/Proposal.pptx
+++ b/Presentations/Proposal.pptx
@@ -5,16 +5,16 @@
     <p:sldMasterId id="2147483648" r:id="rId1"/>
   </p:sldMasterIdLst>
   <p:notesMasterIdLst>
-    <p:notesMasterId r:id="rId8"/>
+    <p:notesMasterId r:id="rId9"/>
   </p:notesMasterIdLst>
   <p:sldIdLst>
-    <p:sldId id="256" r:id="rId3"/>
-    <p:sldId id="263" r:id="rId4"/>
-    <p:sldId id="257" r:id="rId5"/>
-    <p:sldId id="258" r:id="rId6"/>
-    <p:sldId id="259" r:id="rId7"/>
-    <p:sldId id="261" r:id="rId9"/>
-    <p:sldId id="262" r:id="rId10"/>
+    <p:sldId id="256" r:id="rId2"/>
+    <p:sldId id="263" r:id="rId3"/>
+    <p:sldId id="257" r:id="rId4"/>
+    <p:sldId id="258" r:id="rId5"/>
+    <p:sldId id="259" r:id="rId6"/>
+    <p:sldId id="261" r:id="rId7"/>
+    <p:sldId id="262" r:id="rId8"/>
   </p:sldIdLst>
   <p:sldSz cx="12192000" cy="6858000"/>
   <p:notesSz cx="6858000" cy="9144000"/>
@@ -113,6 +113,11 @@
       </a:defRPr>
     </a:lvl9pPr>
   </p:defaultTextStyle>
+  <p:extLst>
+    <p:ext uri="{EFAFB233-063F-42B5-8137-9DF3F51BA10A}">
+      <p15:sldGuideLst xmlns:p15="http://schemas.microsoft.com/office/powerpoint/2012/main"/>
+    </p:ext>
+  </p:extLst>
 </p:presentation>
 </file>
 
@@ -198,6 +203,7 @@
           <a:p>
             <a:fld id="{813A0A7A-E345-4055-B76E-47B5CF084559}" type="datetimeFigureOut">
               <a:rPr lang="en-US"/>
+              <a:t>5/20/2020</a:t>
             </a:fld>
             <a:endParaRPr lang="en-US"/>
           </a:p>
@@ -264,7 +270,6 @@
               <a:rPr lang="en-US"/>
               <a:t>Click to edit Master text styles</a:t>
             </a:r>
-            <a:endParaRPr lang="en-US"/>
           </a:p>
           <a:p>
             <a:pPr lvl="1"/>
@@ -272,7 +277,6 @@
               <a:rPr lang="en-US"/>
               <a:t>Second level</a:t>
             </a:r>
-            <a:endParaRPr lang="en-US"/>
           </a:p>
           <a:p>
             <a:pPr lvl="2"/>
@@ -280,7 +284,6 @@
               <a:rPr lang="en-US"/>
               <a:t>Third level</a:t>
             </a:r>
-            <a:endParaRPr lang="en-US"/>
           </a:p>
           <a:p>
             <a:pPr lvl="3"/>
@@ -288,7 +291,6 @@
               <a:rPr lang="en-US"/>
               <a:t>Fourth level</a:t>
             </a:r>
-            <a:endParaRPr lang="en-US"/>
           </a:p>
           <a:p>
             <a:pPr lvl="4"/>
@@ -296,7 +298,6 @@
               <a:rPr lang="en-US"/>
               <a:t>Fifth level</a:t>
             </a:r>
-            <a:endParaRPr lang="en-US"/>
           </a:p>
         </p:txBody>
       </p:sp>
@@ -360,6 +361,7 @@
           <a:p>
             <a:fld id="{55722BE5-57AA-451B-8B85-B1F747DB0733}" type="slidenum">
               <a:rPr lang="en-US"/>
+              <a:t>‹#›</a:t>
             </a:fld>
             <a:endParaRPr lang="en-US"/>
           </a:p>
@@ -472,11 +474,20 @@
         <p:cNvGrpSpPr/>
         <p:nvPr/>
       </p:nvGrpSpPr>
-      <p:grpSpPr/>
+      <p:grpSpPr>
+        <a:xfrm>
+          <a:off x="0" y="0"/>
+          <a:ext cx="0" cy="0"/>
+          <a:chOff x="0" y="0"/>
+          <a:chExt cx="0" cy="0"/>
+        </a:xfrm>
+      </p:grpSpPr>
       <p:sp>
         <p:nvSpPr>
           <p:cNvPr id="2" name="Slide Image Placeholder 1"/>
-          <p:cNvSpPr/>
+          <p:cNvSpPr>
+            <a:spLocks noGrp="1" noRot="1" noChangeAspect="1"/>
+          </p:cNvSpPr>
           <p:nvPr>
             <p:ph type="sldImg" idx="2"/>
           </p:nvPr>
@@ -486,7 +497,9 @@
       <p:sp>
         <p:nvSpPr>
           <p:cNvPr id="3" name="Text Placeholder 2"/>
-          <p:cNvSpPr/>
+          <p:cNvSpPr>
+            <a:spLocks noGrp="1"/>
+          </p:cNvSpPr>
           <p:nvPr>
             <p:ph type="body" idx="3"/>
           </p:nvPr>
@@ -494,6 +507,7 @@
         <p:spPr/>
         <p:txBody>
           <a:bodyPr/>
+          <a:lstStyle/>
           <a:p>
             <a:endParaRPr lang="en-US"/>
           </a:p>
@@ -570,7 +584,6 @@
               <a:rPr lang="en-US"/>
               <a:t> ide program</a:t>
             </a:r>
-            <a:endParaRPr lang="en-US"/>
           </a:p>
           <a:p>
             <a:pPr marL="285750" indent="-285750">
@@ -608,7 +621,6 @@
               <a:rPr lang="en-US"/>
               <a:t> GUI </a:t>
             </a:r>
-            <a:endParaRPr lang="en-US"/>
           </a:p>
           <a:p>
             <a:pPr marL="285750" indent="-285750">
@@ -638,7 +650,6 @@
               <a:rPr lang="en-US"/>
               <a:t> http server, ftp server dan chat</a:t>
             </a:r>
-            <a:endParaRPr lang="en-US"/>
           </a:p>
           <a:p>
             <a:pPr marL="285750" indent="-285750">
@@ -676,7 +687,6 @@
               <a:rPr lang="en-US"/>
               <a:t> program</a:t>
             </a:r>
-            <a:endParaRPr lang="en-US"/>
           </a:p>
         </p:txBody>
       </p:sp>
@@ -697,6 +707,7 @@
           <a:p>
             <a:fld id="{55722BE5-57AA-451B-8B85-B1F747DB0733}" type="slidenum">
               <a:rPr lang="en-US"/>
+              <a:t>6</a:t>
             </a:fld>
             <a:endParaRPr lang="en-US"/>
           </a:p>
@@ -755,7 +766,6 @@
               <a:rPr lang="en-US" dirty="0"/>
               <a:t>Click to edit Master title style</a:t>
             </a:r>
-            <a:endParaRPr lang="en-US" dirty="0"/>
           </a:p>
         </p:txBody>
       </p:sp>
@@ -875,7 +885,6 @@
               <a:rPr lang="en-US" dirty="0"/>
               <a:t>Click to edit Master subtitle style</a:t>
             </a:r>
-            <a:endParaRPr lang="en-US" dirty="0"/>
           </a:p>
         </p:txBody>
       </p:sp>
@@ -896,6 +905,7 @@
           <a:p>
             <a:fld id="{4AAD347D-5ACD-4C99-B74B-A9C85AD731AF}" type="datetimeFigureOut">
               <a:rPr lang="en-US" dirty="0"/>
+              <a:t>5/20/2020</a:t>
             </a:fld>
             <a:endParaRPr lang="en-US" dirty="0"/>
           </a:p>
@@ -937,6 +947,7 @@
           <a:p>
             <a:fld id="{D57F1E4F-1CFF-5643-939E-02111984F565}" type="slidenum">
               <a:rPr lang="en-US" dirty="0"/>
+              <a:t>‹#›</a:t>
             </a:fld>
             <a:endParaRPr lang="en-US" dirty="0"/>
           </a:p>
@@ -997,7 +1008,6 @@
               <a:rPr lang="en-US" dirty="0"/>
               <a:t>Click to edit Master title style</a:t>
             </a:r>
-            <a:endParaRPr lang="en-US" dirty="0"/>
           </a:p>
         </p:txBody>
       </p:sp>
@@ -1140,7 +1150,6 @@
               <a:rPr lang="en-US" dirty="0"/>
               <a:t>Click to edit Master text styles</a:t>
             </a:r>
-            <a:endParaRPr lang="en-US" dirty="0"/>
           </a:p>
         </p:txBody>
       </p:sp>
@@ -1161,6 +1170,7 @@
           <a:p>
             <a:fld id="{4509A250-FF31-4206-8172-F9D3106AACB1}" type="datetimeFigureOut">
               <a:rPr lang="en-US" dirty="0"/>
+              <a:t>5/20/2020</a:t>
             </a:fld>
             <a:endParaRPr lang="en-US" dirty="0"/>
           </a:p>
@@ -1202,6 +1212,7 @@
           <a:p>
             <a:fld id="{D57F1E4F-1CFF-5643-939E-02111984F565}" type="slidenum">
               <a:rPr lang="en-US" dirty="0"/>
+              <a:t>‹#›</a:t>
             </a:fld>
             <a:endParaRPr lang="en-US" dirty="0"/>
           </a:p>
@@ -1260,7 +1271,6 @@
               <a:rPr lang="en-US" dirty="0"/>
               <a:t>Click to edit Master title style</a:t>
             </a:r>
-            <a:endParaRPr lang="en-US" dirty="0"/>
           </a:p>
         </p:txBody>
       </p:sp>
@@ -1328,7 +1338,6 @@
               <a:rPr lang="en-US" dirty="0"/>
               <a:t>Click to edit Master text styles</a:t>
             </a:r>
-            <a:endParaRPr lang="en-US" dirty="0"/>
           </a:p>
         </p:txBody>
       </p:sp>
@@ -1349,6 +1358,7 @@
           <a:p>
             <a:fld id="{4509A250-FF31-4206-8172-F9D3106AACB1}" type="datetimeFigureOut">
               <a:rPr lang="en-US" dirty="0"/>
+              <a:t>5/20/2020</a:t>
             </a:fld>
             <a:endParaRPr lang="en-US" dirty="0"/>
           </a:p>
@@ -1390,6 +1400,7 @@
           <a:p>
             <a:fld id="{D57F1E4F-1CFF-5643-939E-02111984F565}" type="slidenum">
               <a:rPr lang="en-US" dirty="0"/>
+              <a:t>‹#›</a:t>
             </a:fld>
             <a:endParaRPr lang="en-US" dirty="0"/>
           </a:p>
@@ -1448,7 +1459,6 @@
               <a:rPr lang="en-US" dirty="0"/>
               <a:t>Click to edit Master title style</a:t>
             </a:r>
-            <a:endParaRPr lang="en-US" dirty="0"/>
           </a:p>
         </p:txBody>
       </p:sp>
@@ -1528,7 +1538,6 @@
               <a:rPr lang="en-US" dirty="0"/>
               <a:t>Click to edit Master text styles</a:t>
             </a:r>
-            <a:endParaRPr lang="en-US" dirty="0"/>
           </a:p>
         </p:txBody>
       </p:sp>
@@ -1596,7 +1605,6 @@
               <a:rPr lang="en-US" dirty="0"/>
               <a:t>Click to edit Master text styles</a:t>
             </a:r>
-            <a:endParaRPr lang="en-US" dirty="0"/>
           </a:p>
         </p:txBody>
       </p:sp>
@@ -1617,6 +1625,7 @@
           <a:p>
             <a:fld id="{4509A250-FF31-4206-8172-F9D3106AACB1}" type="datetimeFigureOut">
               <a:rPr lang="en-US" dirty="0"/>
+              <a:t>5/20/2020</a:t>
             </a:fld>
             <a:endParaRPr lang="en-US" dirty="0"/>
           </a:p>
@@ -1658,6 +1667,7 @@
           <a:p>
             <a:fld id="{D57F1E4F-1CFF-5643-939E-02111984F565}" type="slidenum">
               <a:rPr lang="en-US" dirty="0"/>
+              <a:t>‹#›</a:t>
             </a:fld>
             <a:endParaRPr lang="en-US" dirty="0"/>
           </a:p>
@@ -1707,7 +1717,6 @@
               <a:rPr lang="en-US" dirty="0"/>
               <a:t>“</a:t>
             </a:r>
-            <a:endParaRPr lang="en-US" dirty="0"/>
           </a:p>
         </p:txBody>
       </p:sp>
@@ -1755,7 +1764,6 @@
               <a:rPr lang="en-US" dirty="0"/>
               <a:t>”</a:t>
             </a:r>
-            <a:endParaRPr lang="en-US" dirty="0"/>
           </a:p>
         </p:txBody>
       </p:sp>
@@ -1812,7 +1820,6 @@
               <a:rPr lang="en-US" dirty="0"/>
               <a:t>Click to edit Master title style</a:t>
             </a:r>
-            <a:endParaRPr lang="en-US" dirty="0"/>
           </a:p>
         </p:txBody>
       </p:sp>
@@ -1933,7 +1940,6 @@
               <a:rPr lang="en-US" dirty="0"/>
               <a:t>Click to edit Master text styles</a:t>
             </a:r>
-            <a:endParaRPr lang="en-US" dirty="0"/>
           </a:p>
         </p:txBody>
       </p:sp>
@@ -1954,6 +1960,7 @@
           <a:p>
             <a:fld id="{4509A250-FF31-4206-8172-F9D3106AACB1}" type="datetimeFigureOut">
               <a:rPr lang="en-US" dirty="0"/>
+              <a:t>5/20/2020</a:t>
             </a:fld>
             <a:endParaRPr lang="en-US" dirty="0"/>
           </a:p>
@@ -1995,6 +2002,7 @@
           <a:p>
             <a:fld id="{D57F1E4F-1CFF-5643-939E-02111984F565}" type="slidenum">
               <a:rPr lang="en-US" dirty="0"/>
+              <a:t>‹#›</a:t>
             </a:fld>
             <a:endParaRPr lang="en-US" dirty="0"/>
           </a:p>
@@ -2048,7 +2056,6 @@
               <a:rPr lang="en-US" dirty="0"/>
               <a:t>Click to edit Master title style</a:t>
             </a:r>
-            <a:endParaRPr lang="en-US" dirty="0"/>
           </a:p>
         </p:txBody>
       </p:sp>
@@ -2123,7 +2130,6 @@
               <a:rPr lang="en-US" dirty="0"/>
               <a:t>Click to edit Master text styles</a:t>
             </a:r>
-            <a:endParaRPr lang="en-US" dirty="0"/>
           </a:p>
         </p:txBody>
       </p:sp>
@@ -2191,7 +2197,6 @@
               <a:rPr lang="en-US" dirty="0"/>
               <a:t>Click to edit Master text styles</a:t>
             </a:r>
-            <a:endParaRPr lang="en-US" dirty="0"/>
           </a:p>
         </p:txBody>
       </p:sp>
@@ -2266,7 +2271,6 @@
               <a:rPr lang="en-US" dirty="0"/>
               <a:t>Click to edit Master text styles</a:t>
             </a:r>
-            <a:endParaRPr lang="en-US" dirty="0"/>
           </a:p>
         </p:txBody>
       </p:sp>
@@ -2334,7 +2338,6 @@
               <a:rPr lang="en-US" dirty="0"/>
               <a:t>Click to edit Master text styles</a:t>
             </a:r>
-            <a:endParaRPr lang="en-US" dirty="0"/>
           </a:p>
         </p:txBody>
       </p:sp>
@@ -2409,7 +2412,6 @@
               <a:rPr lang="en-US" dirty="0"/>
               <a:t>Click to edit Master text styles</a:t>
             </a:r>
-            <a:endParaRPr lang="en-US" dirty="0"/>
           </a:p>
         </p:txBody>
       </p:sp>
@@ -2477,7 +2479,6 @@
               <a:rPr lang="en-US" dirty="0"/>
               <a:t>Click to edit Master text styles</a:t>
             </a:r>
-            <a:endParaRPr lang="en-US" dirty="0"/>
           </a:p>
         </p:txBody>
       </p:sp>
@@ -2576,6 +2577,7 @@
           <a:p>
             <a:fld id="{4509A250-FF31-4206-8172-F9D3106AACB1}" type="datetimeFigureOut">
               <a:rPr lang="en-US" dirty="0"/>
+              <a:t>5/20/2020</a:t>
             </a:fld>
             <a:endParaRPr lang="en-US" dirty="0"/>
           </a:p>
@@ -2617,6 +2619,7 @@
           <a:p>
             <a:fld id="{D57F1E4F-1CFF-5643-939E-02111984F565}" type="slidenum">
               <a:rPr lang="en-US" dirty="0"/>
+              <a:t>‹#›</a:t>
             </a:fld>
             <a:endParaRPr lang="en-US" dirty="0"/>
           </a:p>
@@ -2670,7 +2673,6 @@
               <a:rPr lang="en-US" dirty="0"/>
               <a:t>Click to edit Master title style</a:t>
             </a:r>
-            <a:endParaRPr lang="en-US" dirty="0"/>
           </a:p>
         </p:txBody>
       </p:sp>
@@ -2745,7 +2747,6 @@
               <a:rPr lang="en-US" dirty="0"/>
               <a:t>Click to edit Master text styles</a:t>
             </a:r>
-            <a:endParaRPr lang="en-US" dirty="0"/>
           </a:p>
         </p:txBody>
       </p:sp>
@@ -2888,7 +2889,6 @@
               <a:rPr lang="en-US" dirty="0"/>
               <a:t>Click to edit Master text styles</a:t>
             </a:r>
-            <a:endParaRPr lang="en-US" dirty="0"/>
           </a:p>
         </p:txBody>
       </p:sp>
@@ -2963,7 +2963,6 @@
               <a:rPr lang="en-US" dirty="0"/>
               <a:t>Click to edit Master text styles</a:t>
             </a:r>
-            <a:endParaRPr lang="en-US" dirty="0"/>
           </a:p>
         </p:txBody>
       </p:sp>
@@ -3106,7 +3105,6 @@
               <a:rPr lang="en-US" dirty="0"/>
               <a:t>Click to edit Master text styles</a:t>
             </a:r>
-            <a:endParaRPr lang="en-US" dirty="0"/>
           </a:p>
         </p:txBody>
       </p:sp>
@@ -3181,7 +3179,6 @@
               <a:rPr lang="en-US" dirty="0"/>
               <a:t>Click to edit Master text styles</a:t>
             </a:r>
-            <a:endParaRPr lang="en-US" dirty="0"/>
           </a:p>
         </p:txBody>
       </p:sp>
@@ -3324,7 +3321,6 @@
               <a:rPr lang="en-US" dirty="0"/>
               <a:t>Click to edit Master text styles</a:t>
             </a:r>
-            <a:endParaRPr lang="en-US" dirty="0"/>
           </a:p>
         </p:txBody>
       </p:sp>
@@ -3423,6 +3419,7 @@
           <a:p>
             <a:fld id="{4509A250-FF31-4206-8172-F9D3106AACB1}" type="datetimeFigureOut">
               <a:rPr lang="en-US" dirty="0"/>
+              <a:t>5/20/2020</a:t>
             </a:fld>
             <a:endParaRPr lang="en-US" dirty="0"/>
           </a:p>
@@ -3464,6 +3461,7 @@
           <a:p>
             <a:fld id="{D57F1E4F-1CFF-5643-939E-02111984F565}" type="slidenum">
               <a:rPr lang="en-US" dirty="0"/>
+              <a:t>‹#›</a:t>
             </a:fld>
             <a:endParaRPr lang="en-US" dirty="0"/>
           </a:p>
@@ -3513,7 +3511,6 @@
               <a:rPr lang="en-US" dirty="0"/>
               <a:t>Click to edit Master title style</a:t>
             </a:r>
-            <a:endParaRPr lang="en-US" dirty="0"/>
           </a:p>
         </p:txBody>
       </p:sp>
@@ -3537,7 +3534,6 @@
               <a:rPr lang="en-US" dirty="0"/>
               <a:t>Click to edit Master text styles</a:t>
             </a:r>
-            <a:endParaRPr lang="en-US" dirty="0"/>
           </a:p>
           <a:p>
             <a:pPr lvl="1"/>
@@ -3545,7 +3541,6 @@
               <a:rPr lang="en-US" dirty="0"/>
               <a:t>Second level</a:t>
             </a:r>
-            <a:endParaRPr lang="en-US" dirty="0"/>
           </a:p>
           <a:p>
             <a:pPr lvl="2"/>
@@ -3553,7 +3548,6 @@
               <a:rPr lang="en-US" dirty="0"/>
               <a:t>Third level</a:t>
             </a:r>
-            <a:endParaRPr lang="en-US" dirty="0"/>
           </a:p>
           <a:p>
             <a:pPr lvl="3"/>
@@ -3561,7 +3555,6 @@
               <a:rPr lang="en-US" dirty="0"/>
               <a:t>Fourth level</a:t>
             </a:r>
-            <a:endParaRPr lang="en-US" dirty="0"/>
           </a:p>
           <a:p>
             <a:pPr lvl="4"/>
@@ -3569,7 +3562,6 @@
               <a:rPr lang="en-US" dirty="0"/>
               <a:t>Fifth level</a:t>
             </a:r>
-            <a:endParaRPr lang="en-US" dirty="0"/>
           </a:p>
         </p:txBody>
       </p:sp>
@@ -3590,6 +3582,7 @@
           <a:p>
             <a:fld id="{4509A250-FF31-4206-8172-F9D3106AACB1}" type="datetimeFigureOut">
               <a:rPr lang="en-US" dirty="0"/>
+              <a:t>5/20/2020</a:t>
             </a:fld>
             <a:endParaRPr lang="en-US" dirty="0"/>
           </a:p>
@@ -3631,6 +3624,7 @@
           <a:p>
             <a:fld id="{D57F1E4F-1CFF-5643-939E-02111984F565}" type="slidenum">
               <a:rPr lang="en-US" dirty="0"/>
+              <a:t>‹#›</a:t>
             </a:fld>
             <a:endParaRPr lang="en-US" dirty="0"/>
           </a:p>
@@ -3685,7 +3679,6 @@
               <a:rPr lang="en-US" dirty="0"/>
               <a:t>Click to edit Master title style</a:t>
             </a:r>
-            <a:endParaRPr lang="en-US" dirty="0"/>
           </a:p>
         </p:txBody>
       </p:sp>
@@ -3714,7 +3707,6 @@
               <a:rPr lang="en-US" dirty="0"/>
               <a:t>Click to edit Master text styles</a:t>
             </a:r>
-            <a:endParaRPr lang="en-US" dirty="0"/>
           </a:p>
           <a:p>
             <a:pPr lvl="1"/>
@@ -3722,7 +3714,6 @@
               <a:rPr lang="en-US" dirty="0"/>
               <a:t>Second level</a:t>
             </a:r>
-            <a:endParaRPr lang="en-US" dirty="0"/>
           </a:p>
           <a:p>
             <a:pPr lvl="2"/>
@@ -3730,7 +3721,6 @@
               <a:rPr lang="en-US" dirty="0"/>
               <a:t>Third level</a:t>
             </a:r>
-            <a:endParaRPr lang="en-US" dirty="0"/>
           </a:p>
           <a:p>
             <a:pPr lvl="3"/>
@@ -3738,7 +3728,6 @@
               <a:rPr lang="en-US" dirty="0"/>
               <a:t>Fourth level</a:t>
             </a:r>
-            <a:endParaRPr lang="en-US" dirty="0"/>
           </a:p>
           <a:p>
             <a:pPr lvl="4"/>
@@ -3746,7 +3735,6 @@
               <a:rPr lang="en-US" dirty="0"/>
               <a:t>Fifth level</a:t>
             </a:r>
-            <a:endParaRPr lang="en-US" dirty="0"/>
           </a:p>
         </p:txBody>
       </p:sp>
@@ -3767,6 +3755,7 @@
           <a:p>
             <a:fld id="{4509A250-FF31-4206-8172-F9D3106AACB1}" type="datetimeFigureOut">
               <a:rPr lang="en-US" dirty="0"/>
+              <a:t>5/20/2020</a:t>
             </a:fld>
             <a:endParaRPr lang="en-US" dirty="0"/>
           </a:p>
@@ -3808,6 +3797,7 @@
           <a:p>
             <a:fld id="{D57F1E4F-1CFF-5643-939E-02111984F565}" type="slidenum">
               <a:rPr lang="en-US" dirty="0"/>
+              <a:t>‹#›</a:t>
             </a:fld>
             <a:endParaRPr lang="en-US" dirty="0"/>
           </a:p>
@@ -3857,7 +3847,6 @@
               <a:rPr lang="en-US" dirty="0"/>
               <a:t>Click to edit Master title style</a:t>
             </a:r>
-            <a:endParaRPr lang="en-US" dirty="0"/>
           </a:p>
         </p:txBody>
       </p:sp>
@@ -3881,7 +3870,6 @@
               <a:rPr lang="en-US" dirty="0"/>
               <a:t>Click to edit Master text styles</a:t>
             </a:r>
-            <a:endParaRPr lang="en-US" dirty="0"/>
           </a:p>
           <a:p>
             <a:pPr lvl="1"/>
@@ -3889,7 +3877,6 @@
               <a:rPr lang="en-US" dirty="0"/>
               <a:t>Second level</a:t>
             </a:r>
-            <a:endParaRPr lang="en-US" dirty="0"/>
           </a:p>
           <a:p>
             <a:pPr lvl="2"/>
@@ -3897,7 +3884,6 @@
               <a:rPr lang="en-US" dirty="0"/>
               <a:t>Third level</a:t>
             </a:r>
-            <a:endParaRPr lang="en-US" dirty="0"/>
           </a:p>
           <a:p>
             <a:pPr lvl="3"/>
@@ -3905,7 +3891,6 @@
               <a:rPr lang="en-US" dirty="0"/>
               <a:t>Fourth level</a:t>
             </a:r>
-            <a:endParaRPr lang="en-US" dirty="0"/>
           </a:p>
           <a:p>
             <a:pPr lvl="4"/>
@@ -3913,7 +3898,6 @@
               <a:rPr lang="en-US" dirty="0"/>
               <a:t>Fifth level</a:t>
             </a:r>
-            <a:endParaRPr lang="en-US" dirty="0"/>
           </a:p>
         </p:txBody>
       </p:sp>
@@ -3934,6 +3918,7 @@
           <a:p>
             <a:fld id="{4509A250-FF31-4206-8172-F9D3106AACB1}" type="datetimeFigureOut">
               <a:rPr lang="en-US" dirty="0"/>
+              <a:t>5/20/2020</a:t>
             </a:fld>
             <a:endParaRPr lang="en-US" dirty="0"/>
           </a:p>
@@ -3975,6 +3960,7 @@
           <a:p>
             <a:fld id="{D57F1E4F-1CFF-5643-939E-02111984F565}" type="slidenum">
               <a:rPr lang="en-US" dirty="0"/>
+              <a:t>‹#›</a:t>
             </a:fld>
             <a:endParaRPr lang="en-US" dirty="0"/>
           </a:p>
@@ -4033,7 +4019,6 @@
               <a:rPr lang="en-US" dirty="0"/>
               <a:t>Click to edit Master title style</a:t>
             </a:r>
-            <a:endParaRPr lang="en-US" dirty="0"/>
           </a:p>
         </p:txBody>
       </p:sp>
@@ -4154,7 +4139,6 @@
               <a:rPr lang="en-US" dirty="0"/>
               <a:t>Click to edit Master text styles</a:t>
             </a:r>
-            <a:endParaRPr lang="en-US" dirty="0"/>
           </a:p>
         </p:txBody>
       </p:sp>
@@ -4175,6 +4159,7 @@
           <a:p>
             <a:fld id="{9796027F-7875-4030-9381-8BD8C4F21935}" type="datetimeFigureOut">
               <a:rPr lang="en-US" dirty="0"/>
+              <a:t>5/20/2020</a:t>
             </a:fld>
             <a:endParaRPr lang="en-US" dirty="0"/>
           </a:p>
@@ -4216,6 +4201,7 @@
           <a:p>
             <a:fld id="{D57F1E4F-1CFF-5643-939E-02111984F565}" type="slidenum">
               <a:rPr lang="en-US" dirty="0"/>
+              <a:t>‹#›</a:t>
             </a:fld>
             <a:endParaRPr lang="en-US" dirty="0"/>
           </a:p>
@@ -4265,7 +4251,6 @@
               <a:rPr lang="en-US" dirty="0"/>
               <a:t>Click to edit Master title style</a:t>
             </a:r>
-            <a:endParaRPr lang="en-US" dirty="0"/>
           </a:p>
         </p:txBody>
       </p:sp>
@@ -4324,7 +4309,6 @@
               <a:rPr lang="en-US" dirty="0"/>
               <a:t>Click to edit Master text styles</a:t>
             </a:r>
-            <a:endParaRPr lang="en-US" dirty="0"/>
           </a:p>
           <a:p>
             <a:pPr lvl="1"/>
@@ -4332,7 +4316,6 @@
               <a:rPr lang="en-US" dirty="0"/>
               <a:t>Second level</a:t>
             </a:r>
-            <a:endParaRPr lang="en-US" dirty="0"/>
           </a:p>
           <a:p>
             <a:pPr lvl="2"/>
@@ -4340,7 +4323,6 @@
               <a:rPr lang="en-US" dirty="0"/>
               <a:t>Third level</a:t>
             </a:r>
-            <a:endParaRPr lang="en-US" dirty="0"/>
           </a:p>
           <a:p>
             <a:pPr lvl="3"/>
@@ -4348,7 +4330,6 @@
               <a:rPr lang="en-US" dirty="0"/>
               <a:t>Fourth level</a:t>
             </a:r>
-            <a:endParaRPr lang="en-US" dirty="0"/>
           </a:p>
           <a:p>
             <a:pPr lvl="4"/>
@@ -4356,7 +4337,6 @@
               <a:rPr lang="en-US" dirty="0"/>
               <a:t>Fifth level</a:t>
             </a:r>
-            <a:endParaRPr lang="en-US" dirty="0"/>
           </a:p>
         </p:txBody>
       </p:sp>
@@ -4415,7 +4395,6 @@
               <a:rPr lang="en-US" dirty="0"/>
               <a:t>Click to edit Master text styles</a:t>
             </a:r>
-            <a:endParaRPr lang="en-US" dirty="0"/>
           </a:p>
           <a:p>
             <a:pPr lvl="1"/>
@@ -4423,7 +4402,6 @@
               <a:rPr lang="en-US" dirty="0"/>
               <a:t>Second level</a:t>
             </a:r>
-            <a:endParaRPr lang="en-US" dirty="0"/>
           </a:p>
           <a:p>
             <a:pPr lvl="2"/>
@@ -4431,7 +4409,6 @@
               <a:rPr lang="en-US" dirty="0"/>
               <a:t>Third level</a:t>
             </a:r>
-            <a:endParaRPr lang="en-US" dirty="0"/>
           </a:p>
           <a:p>
             <a:pPr lvl="3"/>
@@ -4439,7 +4416,6 @@
               <a:rPr lang="en-US" dirty="0"/>
               <a:t>Fourth level</a:t>
             </a:r>
-            <a:endParaRPr lang="en-US" dirty="0"/>
           </a:p>
           <a:p>
             <a:pPr lvl="4"/>
@@ -4447,7 +4423,6 @@
               <a:rPr lang="en-US" dirty="0"/>
               <a:t>Fifth level</a:t>
             </a:r>
-            <a:endParaRPr lang="en-US" dirty="0"/>
           </a:p>
         </p:txBody>
       </p:sp>
@@ -4468,6 +4443,7 @@
           <a:p>
             <a:fld id="{9796027F-7875-4030-9381-8BD8C4F21935}" type="datetimeFigureOut">
               <a:rPr lang="en-US" dirty="0"/>
+              <a:t>5/20/2020</a:t>
             </a:fld>
             <a:endParaRPr lang="en-US" dirty="0"/>
           </a:p>
@@ -4509,6 +4485,7 @@
           <a:p>
             <a:fld id="{D57F1E4F-1CFF-5643-939E-02111984F565}" type="slidenum">
               <a:rPr lang="en-US" dirty="0"/>
+              <a:t>‹#›</a:t>
             </a:fld>
             <a:endParaRPr lang="en-US" dirty="0"/>
           </a:p>
@@ -4562,7 +4539,6 @@
               <a:rPr lang="en-US" dirty="0"/>
               <a:t>Click to edit Master title style</a:t>
             </a:r>
-            <a:endParaRPr lang="en-US" dirty="0"/>
           </a:p>
         </p:txBody>
       </p:sp>
@@ -4637,7 +4613,6 @@
               <a:rPr lang="en-US" dirty="0"/>
               <a:t>Click to edit Master text styles</a:t>
             </a:r>
-            <a:endParaRPr lang="en-US" dirty="0"/>
           </a:p>
         </p:txBody>
       </p:sp>
@@ -4696,7 +4671,6 @@
               <a:rPr lang="en-US" dirty="0"/>
               <a:t>Click to edit Master text styles</a:t>
             </a:r>
-            <a:endParaRPr lang="en-US" dirty="0"/>
           </a:p>
           <a:p>
             <a:pPr lvl="1"/>
@@ -4704,7 +4678,6 @@
               <a:rPr lang="en-US" dirty="0"/>
               <a:t>Second level</a:t>
             </a:r>
-            <a:endParaRPr lang="en-US" dirty="0"/>
           </a:p>
           <a:p>
             <a:pPr lvl="2"/>
@@ -4712,7 +4685,6 @@
               <a:rPr lang="en-US" dirty="0"/>
               <a:t>Third level</a:t>
             </a:r>
-            <a:endParaRPr lang="en-US" dirty="0"/>
           </a:p>
           <a:p>
             <a:pPr lvl="3"/>
@@ -4720,7 +4692,6 @@
               <a:rPr lang="en-US" dirty="0"/>
               <a:t>Fourth level</a:t>
             </a:r>
-            <a:endParaRPr lang="en-US" dirty="0"/>
           </a:p>
           <a:p>
             <a:pPr lvl="4"/>
@@ -4728,7 +4699,6 @@
               <a:rPr lang="en-US" dirty="0"/>
               <a:t>Fifth level</a:t>
             </a:r>
-            <a:endParaRPr lang="en-US" dirty="0"/>
           </a:p>
         </p:txBody>
       </p:sp>
@@ -4803,7 +4773,6 @@
               <a:rPr lang="en-US" dirty="0"/>
               <a:t>Click to edit Master text styles</a:t>
             </a:r>
-            <a:endParaRPr lang="en-US" dirty="0"/>
           </a:p>
         </p:txBody>
       </p:sp>
@@ -4862,7 +4831,6 @@
               <a:rPr lang="en-US" dirty="0"/>
               <a:t>Click to edit Master text styles</a:t>
             </a:r>
-            <a:endParaRPr lang="en-US" dirty="0"/>
           </a:p>
           <a:p>
             <a:pPr lvl="1"/>
@@ -4870,7 +4838,6 @@
               <a:rPr lang="en-US" dirty="0"/>
               <a:t>Second level</a:t>
             </a:r>
-            <a:endParaRPr lang="en-US" dirty="0"/>
           </a:p>
           <a:p>
             <a:pPr lvl="2"/>
@@ -4878,7 +4845,6 @@
               <a:rPr lang="en-US" dirty="0"/>
               <a:t>Third level</a:t>
             </a:r>
-            <a:endParaRPr lang="en-US" dirty="0"/>
           </a:p>
           <a:p>
             <a:pPr lvl="3"/>
@@ -4886,7 +4852,6 @@
               <a:rPr lang="en-US" dirty="0"/>
               <a:t>Fourth level</a:t>
             </a:r>
-            <a:endParaRPr lang="en-US" dirty="0"/>
           </a:p>
           <a:p>
             <a:pPr lvl="4"/>
@@ -4894,7 +4859,6 @@
               <a:rPr lang="en-US" dirty="0"/>
               <a:t>Fifth level</a:t>
             </a:r>
-            <a:endParaRPr lang="en-US" dirty="0"/>
           </a:p>
         </p:txBody>
       </p:sp>
@@ -4915,6 +4879,7 @@
           <a:p>
             <a:fld id="{9796027F-7875-4030-9381-8BD8C4F21935}" type="datetimeFigureOut">
               <a:rPr lang="en-US" dirty="0"/>
+              <a:t>5/20/2020</a:t>
             </a:fld>
             <a:endParaRPr lang="en-US" dirty="0"/>
           </a:p>
@@ -4956,6 +4921,7 @@
           <a:p>
             <a:fld id="{D57F1E4F-1CFF-5643-939E-02111984F565}" type="slidenum">
               <a:rPr lang="en-US" dirty="0"/>
+              <a:t>‹#›</a:t>
             </a:fld>
             <a:endParaRPr lang="en-US" dirty="0"/>
           </a:p>
@@ -5005,7 +4971,6 @@
               <a:rPr lang="en-US" dirty="0"/>
               <a:t>Click to edit Master title style</a:t>
             </a:r>
-            <a:endParaRPr lang="en-US" dirty="0"/>
           </a:p>
         </p:txBody>
       </p:sp>
@@ -5026,6 +4991,7 @@
           <a:p>
             <a:fld id="{4509A250-FF31-4206-8172-F9D3106AACB1}" type="datetimeFigureOut">
               <a:rPr lang="en-US" dirty="0"/>
+              <a:t>5/20/2020</a:t>
             </a:fld>
             <a:endParaRPr lang="en-US" dirty="0"/>
           </a:p>
@@ -5067,6 +5033,7 @@
           <a:p>
             <a:fld id="{D57F1E4F-1CFF-5643-939E-02111984F565}" type="slidenum">
               <a:rPr lang="en-US" dirty="0"/>
+              <a:t>‹#›</a:t>
             </a:fld>
             <a:endParaRPr lang="en-US" dirty="0"/>
           </a:p>
@@ -5114,6 +5081,7 @@
           <a:p>
             <a:fld id="{4509A250-FF31-4206-8172-F9D3106AACB1}" type="datetimeFigureOut">
               <a:rPr lang="en-US" dirty="0"/>
+              <a:t>5/20/2020</a:t>
             </a:fld>
             <a:endParaRPr lang="en-US" dirty="0"/>
           </a:p>
@@ -5155,6 +5123,7 @@
           <a:p>
             <a:fld id="{D57F1E4F-1CFF-5643-939E-02111984F565}" type="slidenum">
               <a:rPr lang="en-US" dirty="0"/>
+              <a:t>‹#›</a:t>
             </a:fld>
             <a:endParaRPr lang="en-US" dirty="0"/>
           </a:p>
@@ -5213,7 +5182,6 @@
               <a:rPr lang="en-US" dirty="0"/>
               <a:t>Click to edit Master title style</a:t>
             </a:r>
-            <a:endParaRPr lang="en-US" dirty="0"/>
           </a:p>
         </p:txBody>
       </p:sp>
@@ -5272,7 +5240,6 @@
               <a:rPr lang="en-US" dirty="0"/>
               <a:t>Click to edit Master text styles</a:t>
             </a:r>
-            <a:endParaRPr lang="en-US" dirty="0"/>
           </a:p>
           <a:p>
             <a:pPr lvl="1"/>
@@ -5280,7 +5247,6 @@
               <a:rPr lang="en-US" dirty="0"/>
               <a:t>Second level</a:t>
             </a:r>
-            <a:endParaRPr lang="en-US" dirty="0"/>
           </a:p>
           <a:p>
             <a:pPr lvl="2"/>
@@ -5288,7 +5254,6 @@
               <a:rPr lang="en-US" dirty="0"/>
               <a:t>Third level</a:t>
             </a:r>
-            <a:endParaRPr lang="en-US" dirty="0"/>
           </a:p>
           <a:p>
             <a:pPr lvl="3"/>
@@ -5296,7 +5261,6 @@
               <a:rPr lang="en-US" dirty="0"/>
               <a:t>Fourth level</a:t>
             </a:r>
-            <a:endParaRPr lang="en-US" dirty="0"/>
           </a:p>
           <a:p>
             <a:pPr lvl="4"/>
@@ -5304,7 +5268,6 @@
               <a:rPr lang="en-US" dirty="0"/>
               <a:t>Fifth level</a:t>
             </a:r>
-            <a:endParaRPr lang="en-US" dirty="0"/>
           </a:p>
         </p:txBody>
       </p:sp>
@@ -5370,7 +5333,6 @@
               <a:rPr lang="en-US" dirty="0"/>
               <a:t>Click to edit Master text styles</a:t>
             </a:r>
-            <a:endParaRPr lang="en-US" dirty="0"/>
           </a:p>
         </p:txBody>
       </p:sp>
@@ -5391,6 +5353,7 @@
           <a:p>
             <a:fld id="{4509A250-FF31-4206-8172-F9D3106AACB1}" type="datetimeFigureOut">
               <a:rPr lang="en-US" dirty="0"/>
+              <a:t>5/20/2020</a:t>
             </a:fld>
             <a:endParaRPr lang="en-US" dirty="0"/>
           </a:p>
@@ -5432,6 +5395,7 @@
           <a:p>
             <a:fld id="{D57F1E4F-1CFF-5643-939E-02111984F565}" type="slidenum">
               <a:rPr lang="en-US" dirty="0"/>
+              <a:t>‹#›</a:t>
             </a:fld>
             <a:endParaRPr lang="en-US" dirty="0"/>
           </a:p>
@@ -5492,7 +5456,6 @@
               <a:rPr lang="en-US" dirty="0"/>
               <a:t>Click to edit Master title style</a:t>
             </a:r>
-            <a:endParaRPr lang="en-US" dirty="0"/>
           </a:p>
         </p:txBody>
       </p:sp>
@@ -5635,7 +5598,6 @@
               <a:rPr lang="en-US" dirty="0"/>
               <a:t>Click to edit Master text styles</a:t>
             </a:r>
-            <a:endParaRPr lang="en-US" dirty="0"/>
           </a:p>
         </p:txBody>
       </p:sp>
@@ -5656,6 +5618,7 @@
           <a:p>
             <a:fld id="{4509A250-FF31-4206-8172-F9D3106AACB1}" type="datetimeFigureOut">
               <a:rPr lang="en-US" dirty="0"/>
+              <a:t>5/20/2020</a:t>
             </a:fld>
             <a:endParaRPr lang="en-US" dirty="0"/>
           </a:p>
@@ -5697,6 +5660,7 @@
           <a:p>
             <a:fld id="{D57F1E4F-1CFF-5643-939E-02111984F565}" type="slidenum">
               <a:rPr lang="en-US" dirty="0"/>
+              <a:t>‹#›</a:t>
             </a:fld>
             <a:endParaRPr lang="en-US" dirty="0"/>
           </a:p>
@@ -5741,7 +5705,7 @@
           <p:nvPr/>
         </p:nvPicPr>
         <p:blipFill rotWithShape="1">
-          <a:blip r:embed="rId18">
+          <a:blip r:embed="rId19">
             <a:extLst>
               <a:ext uri="{28A0092B-C50C-407E-A947-70E740481C1C}">
                 <a14:useLocalDpi xmlns:a14="http://schemas.microsoft.com/office/drawing/2010/main" val="0"/>
@@ -5772,7 +5736,7 @@
           <p:nvPr/>
         </p:nvPicPr>
         <p:blipFill rotWithShape="1">
-          <a:blip r:embed="rId19">
+          <a:blip r:embed="rId20">
             <a:extLst>
               <a:ext uri="{28A0092B-C50C-407E-A947-70E740481C1C}">
                 <a14:useLocalDpi xmlns:a14="http://schemas.microsoft.com/office/drawing/2010/main" val="0"/>
@@ -5866,7 +5830,7 @@
           <p:nvPr/>
         </p:nvPicPr>
         <p:blipFill rotWithShape="1">
-          <a:blip r:embed="rId20">
+          <a:blip r:embed="rId21">
             <a:extLst>
               <a:ext uri="{28A0092B-C50C-407E-A947-70E740481C1C}">
                 <a14:useLocalDpi xmlns:a14="http://schemas.microsoft.com/office/drawing/2010/main" val="0"/>
@@ -5897,7 +5861,7 @@
           <p:nvPr/>
         </p:nvPicPr>
         <p:blipFill rotWithShape="1">
-          <a:blip r:embed="rId21">
+          <a:blip r:embed="rId22">
             <a:extLst>
               <a:ext uri="{28A0092B-C50C-407E-A947-70E740481C1C}">
                 <a14:useLocalDpi xmlns:a14="http://schemas.microsoft.com/office/drawing/2010/main" val="0"/>
@@ -5984,7 +5948,6 @@
               <a:rPr lang="en-US" dirty="0"/>
               <a:t>Click to edit Master title style</a:t>
             </a:r>
-            <a:endParaRPr lang="en-US" dirty="0"/>
           </a:p>
         </p:txBody>
       </p:sp>
@@ -6018,7 +5981,6 @@
               <a:rPr lang="en-US" dirty="0"/>
               <a:t>Click to edit Master text styles</a:t>
             </a:r>
-            <a:endParaRPr lang="en-US" dirty="0"/>
           </a:p>
           <a:p>
             <a:pPr lvl="1"/>
@@ -6026,7 +5988,6 @@
               <a:rPr lang="en-US" dirty="0"/>
               <a:t>Second level</a:t>
             </a:r>
-            <a:endParaRPr lang="en-US" dirty="0"/>
           </a:p>
           <a:p>
             <a:pPr lvl="2"/>
@@ -6034,7 +5995,6 @@
               <a:rPr lang="en-US" dirty="0"/>
               <a:t>Third level</a:t>
             </a:r>
-            <a:endParaRPr lang="en-US" dirty="0"/>
           </a:p>
           <a:p>
             <a:pPr lvl="3"/>
@@ -6042,7 +6002,6 @@
               <a:rPr lang="en-US" dirty="0"/>
               <a:t>Fourth level</a:t>
             </a:r>
-            <a:endParaRPr lang="en-US" dirty="0"/>
           </a:p>
           <a:p>
             <a:pPr lvl="4"/>
@@ -6050,7 +6009,6 @@
               <a:rPr lang="en-US" dirty="0"/>
               <a:t>Fifth level</a:t>
             </a:r>
-            <a:endParaRPr lang="en-US" dirty="0"/>
           </a:p>
         </p:txBody>
       </p:sp>
@@ -6090,6 +6048,7 @@
           <a:p>
             <a:fld id="{4AAD347D-5ACD-4C99-B74B-A9C85AD731AF}" type="datetimeFigureOut">
               <a:rPr lang="en-US" dirty="0"/>
+              <a:t>5/20/2020</a:t>
             </a:fld>
             <a:endParaRPr lang="en-US" dirty="0"/>
           </a:p>
@@ -6168,6 +6127,7 @@
           <a:p>
             <a:fld id="{D57F1E4F-1CFF-5643-939E-02111984F565}" type="slidenum">
               <a:rPr lang="en-US" dirty="0"/>
+              <a:t>‹#›</a:t>
             </a:fld>
             <a:endParaRPr lang="en-US" dirty="0"/>
           </a:p>
@@ -6638,9 +6598,6 @@
               </a:rPr>
               <a:t>Chat App</a:t>
             </a:r>
-            <a:endParaRPr lang="en-US">
-              <a:cs typeface="Calibri Light" panose="020F0302020204030204"/>
-            </a:endParaRPr>
           </a:p>
         </p:txBody>
       </p:sp>
@@ -6678,9 +6635,6 @@
               </a:rPr>
               <a:t> 5 : </a:t>
             </a:r>
-            <a:endParaRPr lang="en-US" b="1">
-              <a:cs typeface="Calibri" panose="020F0502020204030204"/>
-            </a:endParaRPr>
           </a:p>
           <a:p>
             <a:r>
@@ -6891,54 +6845,77 @@
           <a:lstStyle/>
           <a:p>
             <a:r>
-              <a:rPr lang="en-US" err="1"/>
+              <a:rPr lang="en-US" dirty="0" err="1"/>
               <a:t>Aplikasi</a:t>
             </a:r>
             <a:r>
-              <a:rPr lang="en-US"/>
+              <a:rPr lang="en-US" dirty="0"/>
               <a:t> yang kami </a:t>
             </a:r>
             <a:r>
-              <a:rPr lang="en-US" err="1"/>
+              <a:rPr lang="en-US" dirty="0" err="1"/>
               <a:t>buat</a:t>
             </a:r>
             <a:r>
-              <a:rPr lang="en-US"/>
+              <a:rPr lang="en-US" dirty="0"/>
               <a:t> </a:t>
             </a:r>
             <a:r>
-              <a:rPr lang="en-US" err="1"/>
+              <a:rPr lang="en-US" dirty="0" err="1"/>
               <a:t>menggunakan</a:t>
             </a:r>
             <a:r>
-              <a:rPr lang="en-US"/>
-              <a:t> http-server dan socket </a:t>
-            </a:r>
-            <a:r>
-              <a:rPr lang="en-US" err="1"/>
+              <a:rPr lang="en-US" dirty="0"/>
+              <a:t> ftp-server dan socket </a:t>
+            </a:r>
+            <a:r>
+              <a:rPr lang="en-US" dirty="0" err="1"/>
               <a:t>untuk</a:t>
             </a:r>
             <a:r>
-              <a:rPr lang="en-US"/>
+              <a:rPr lang="en-US" dirty="0"/>
               <a:t> </a:t>
             </a:r>
             <a:r>
-              <a:rPr lang="en-US" err="1"/>
+              <a:rPr lang="en-US" dirty="0" err="1"/>
               <a:t>transaksi</a:t>
             </a:r>
             <a:r>
-              <a:rPr lang="en-US"/>
+              <a:rPr lang="en-US" dirty="0"/>
               <a:t> data. </a:t>
             </a:r>
             <a:r>
-              <a:rPr lang="en-US" err="1"/>
-              <a:t>Aplikasi ini merupakan aplikasi desktop.</a:t>
-            </a:r>
-            <a:r>
-              <a:rPr lang="en-US"/>
-              <a:t> </a:t>
-            </a:r>
-            <a:endParaRPr lang="en-US"/>
+              <a:rPr lang="en-US" dirty="0" err="1"/>
+              <a:t>Aplikasi</a:t>
+            </a:r>
+            <a:r>
+              <a:rPr lang="en-US" dirty="0"/>
+              <a:t> </a:t>
+            </a:r>
+            <a:r>
+              <a:rPr lang="en-US" dirty="0" err="1"/>
+              <a:t>ini</a:t>
+            </a:r>
+            <a:r>
+              <a:rPr lang="en-US" dirty="0"/>
+              <a:t> </a:t>
+            </a:r>
+            <a:r>
+              <a:rPr lang="en-US" dirty="0" err="1"/>
+              <a:t>merupakan</a:t>
+            </a:r>
+            <a:r>
+              <a:rPr lang="en-US" dirty="0"/>
+              <a:t> </a:t>
+            </a:r>
+            <a:r>
+              <a:rPr lang="en-US" dirty="0" err="1"/>
+              <a:t>aplikasi</a:t>
+            </a:r>
+            <a:r>
+              <a:rPr lang="en-US" dirty="0"/>
+              <a:t> desktop. </a:t>
+            </a:r>
           </a:p>
         </p:txBody>
       </p:sp>
@@ -7159,9 +7136,6 @@
               </a:rPr>
               <a:t>file.</a:t>
             </a:r>
-            <a:endParaRPr lang="en-US">
-              <a:cs typeface="Calibri" panose="020F0502020204030204"/>
-            </a:endParaRPr>
           </a:p>
           <a:p>
             <a:r>
@@ -7193,7 +7167,7 @@
           <p:nvPr/>
         </p:nvPicPr>
         <p:blipFill>
-          <a:blip r:embed="rId1"/>
+          <a:blip r:embed="rId2"/>
           <a:stretch>
             <a:fillRect/>
           </a:stretch>
@@ -7325,194 +7299,318 @@
           <a:lstStyle/>
           <a:p>
             <a:r>
-              <a:rPr lang="en-US">
+              <a:rPr lang="en-US" dirty="0">
                 <a:ea typeface="+mn-lt"/>
                 <a:cs typeface="+mn-lt"/>
               </a:rPr>
-              <a:t>HTTP server, Socket, Thread, Chat</a:t>
-            </a:r>
-            <a:endParaRPr lang="en-US">
+              <a:t>Socket, Thread, Chat, threading, select, TCP</a:t>
+            </a:r>
+            <a:endParaRPr lang="en-US" dirty="0">
               <a:ea typeface="+mn-lt"/>
               <a:cs typeface="Calibri" panose="020F0502020204030204"/>
             </a:endParaRPr>
           </a:p>
           <a:p>
             <a:r>
-              <a:rPr lang="en-US" err="1">
+              <a:rPr lang="en-US" dirty="0">
                 <a:ea typeface="+mn-lt"/>
                 <a:cs typeface="+mn-lt"/>
               </a:rPr>
-              <a:t>Fitur</a:t>
-            </a:r>
-            <a:r>
-              <a:rPr lang="en-US">
+              <a:t>Socket - </a:t>
+            </a:r>
+            <a:r>
+              <a:rPr lang="en-US" dirty="0" err="1">
                 <a:ea typeface="+mn-lt"/>
                 <a:cs typeface="+mn-lt"/>
               </a:rPr>
-              <a:t> chat – </a:t>
-            </a:r>
-            <a:r>
-              <a:rPr lang="en-US" err="1">
+              <a:t>buat</a:t>
+            </a:r>
+            <a:r>
+              <a:rPr lang="en-US" dirty="0">
                 <a:ea typeface="+mn-lt"/>
                 <a:cs typeface="+mn-lt"/>
               </a:rPr>
-              <a:t>untuk</a:t>
-            </a:r>
-            <a:r>
-              <a:rPr lang="en-US">
+              <a:t> </a:t>
+            </a:r>
+            <a:r>
+              <a:rPr lang="en-US" dirty="0" err="1">
                 <a:ea typeface="+mn-lt"/>
                 <a:cs typeface="+mn-lt"/>
               </a:rPr>
-              <a:t> </a:t>
-            </a:r>
-            <a:r>
-              <a:rPr lang="en-US" err="1">
+              <a:t>transisi</a:t>
+            </a:r>
+            <a:r>
+              <a:rPr lang="en-US" dirty="0">
                 <a:ea typeface="+mn-lt"/>
                 <a:cs typeface="+mn-lt"/>
               </a:rPr>
-              <a:t>saling</a:t>
-            </a:r>
-            <a:r>
-              <a:rPr lang="en-US">
+              <a:t> data client-server</a:t>
+            </a:r>
+            <a:endParaRPr lang="en-US" dirty="0"/>
+          </a:p>
+          <a:p>
+            <a:r>
+              <a:rPr lang="en-US" dirty="0">
                 <a:ea typeface="+mn-lt"/>
                 <a:cs typeface="+mn-lt"/>
               </a:rPr>
-              <a:t> </a:t>
-            </a:r>
-            <a:r>
-              <a:rPr lang="en-US" err="1">
+              <a:t>Thread - agar </a:t>
+            </a:r>
+            <a:r>
+              <a:rPr lang="en-US" dirty="0" err="1">
                 <a:ea typeface="+mn-lt"/>
                 <a:cs typeface="+mn-lt"/>
               </a:rPr>
-              <a:t>bertukar</a:t>
-            </a:r>
-            <a:r>
-              <a:rPr lang="en-US">
+              <a:t>bisa</a:t>
+            </a:r>
+            <a:r>
+              <a:rPr lang="en-US" dirty="0">
                 <a:ea typeface="+mn-lt"/>
                 <a:cs typeface="+mn-lt"/>
               </a:rPr>
               <a:t> </a:t>
             </a:r>
             <a:r>
-              <a:rPr lang="en-US" err="1">
+              <a:rPr lang="en-US" dirty="0" err="1">
                 <a:ea typeface="+mn-lt"/>
                 <a:cs typeface="+mn-lt"/>
               </a:rPr>
-              <a:t>pesan</a:t>
-            </a:r>
-            <a:endParaRPr lang="en-US" err="1">
-              <a:cs typeface="Calibri" panose="020F0502020204030204"/>
-            </a:endParaRPr>
-          </a:p>
-          <a:p>
-            <a:r>
-              <a:rPr lang="en-US">
+              <a:t>menjalankan</a:t>
+            </a:r>
+            <a:r>
+              <a:rPr lang="en-US" dirty="0">
                 <a:ea typeface="+mn-lt"/>
                 <a:cs typeface="+mn-lt"/>
               </a:rPr>
-              <a:t>Select - untuk menangani banyak client dalam satu waktu</a:t>
-            </a:r>
-            <a:endParaRPr lang="en-US">
+              <a:t> proses </a:t>
+            </a:r>
+            <a:r>
+              <a:rPr lang="en-US" dirty="0" err="1">
+                <a:ea typeface="+mn-lt"/>
+                <a:cs typeface="+mn-lt"/>
+              </a:rPr>
+              <a:t>secara</a:t>
+            </a:r>
+            <a:r>
+              <a:rPr lang="en-US" dirty="0">
+                <a:ea typeface="+mn-lt"/>
+                <a:cs typeface="+mn-lt"/>
+              </a:rPr>
+              <a:t> </a:t>
+            </a:r>
+            <a:r>
+              <a:rPr lang="en-US" dirty="0" err="1">
+                <a:ea typeface="+mn-lt"/>
+                <a:cs typeface="+mn-lt"/>
+              </a:rPr>
+              <a:t>bersamaan</a:t>
+            </a:r>
+            <a:endParaRPr lang="en-US" dirty="0">
               <a:ea typeface="+mn-lt"/>
               <a:cs typeface="+mn-lt"/>
             </a:endParaRPr>
           </a:p>
           <a:p>
             <a:r>
-              <a:rPr lang="en-US">
+              <a:rPr lang="en-US" dirty="0">
                 <a:ea typeface="+mn-lt"/>
                 <a:cs typeface="+mn-lt"/>
               </a:rPr>
-              <a:t>Socket - </a:t>
-            </a:r>
-            <a:r>
-              <a:rPr lang="en-US" err="1">
+              <a:t>Fitur chat – </a:t>
+            </a:r>
+            <a:r>
+              <a:rPr lang="en-US" dirty="0" err="1">
                 <a:ea typeface="+mn-lt"/>
                 <a:cs typeface="+mn-lt"/>
               </a:rPr>
-              <a:t>buat</a:t>
-            </a:r>
-            <a:r>
-              <a:rPr lang="en-US">
+              <a:t>untuk</a:t>
+            </a:r>
+            <a:r>
+              <a:rPr lang="en-US" dirty="0">
                 <a:ea typeface="+mn-lt"/>
                 <a:cs typeface="+mn-lt"/>
               </a:rPr>
               <a:t> </a:t>
             </a:r>
             <a:r>
-              <a:rPr lang="en-US" err="1">
+              <a:rPr lang="en-US" dirty="0" err="1">
                 <a:ea typeface="+mn-lt"/>
                 <a:cs typeface="+mn-lt"/>
               </a:rPr>
-              <a:t>transisi</a:t>
-            </a:r>
-            <a:r>
-              <a:rPr lang="en-US">
+              <a:t>saling</a:t>
+            </a:r>
+            <a:r>
+              <a:rPr lang="en-US" dirty="0">
                 <a:ea typeface="+mn-lt"/>
                 <a:cs typeface="+mn-lt"/>
               </a:rPr>
-              <a:t> data client-server</a:t>
-            </a:r>
-            <a:endParaRPr lang="en-US"/>
-          </a:p>
-          <a:p>
-            <a:r>
-              <a:rPr lang="en-US">
+              <a:t> </a:t>
+            </a:r>
+            <a:r>
+              <a:rPr lang="en-US" dirty="0" err="1">
                 <a:ea typeface="+mn-lt"/>
                 <a:cs typeface="+mn-lt"/>
               </a:rPr>
-              <a:t>Thread - agar </a:t>
-            </a:r>
-            <a:r>
-              <a:rPr lang="en-US" err="1">
+              <a:t>bertukar</a:t>
+            </a:r>
+            <a:r>
+              <a:rPr lang="en-US" dirty="0">
                 <a:ea typeface="+mn-lt"/>
                 <a:cs typeface="+mn-lt"/>
               </a:rPr>
-              <a:t>bisa</a:t>
-            </a:r>
-            <a:r>
-              <a:rPr lang="en-US">
+              <a:t> </a:t>
+            </a:r>
+            <a:r>
+              <a:rPr lang="en-US" dirty="0" err="1">
                 <a:ea typeface="+mn-lt"/>
                 <a:cs typeface="+mn-lt"/>
               </a:rPr>
-              <a:t> </a:t>
-            </a:r>
-            <a:r>
-              <a:rPr lang="en-US" err="1">
+              <a:t>pesan</a:t>
+            </a:r>
+            <a:endParaRPr lang="en-US" dirty="0">
+              <a:cs typeface="Calibri" panose="020F0502020204030204"/>
+            </a:endParaRPr>
+          </a:p>
+          <a:p>
+            <a:r>
+              <a:rPr lang="en-US" dirty="0">
                 <a:ea typeface="+mn-lt"/>
                 <a:cs typeface="+mn-lt"/>
               </a:rPr>
-              <a:t>menjalankan</a:t>
-            </a:r>
-            <a:r>
-              <a:rPr lang="en-US">
+              <a:t>TCP – </a:t>
+            </a:r>
+            <a:r>
+              <a:rPr lang="en-US" dirty="0" err="1">
                 <a:ea typeface="+mn-lt"/>
                 <a:cs typeface="+mn-lt"/>
               </a:rPr>
-              <a:t> proses </a:t>
-            </a:r>
-            <a:r>
-              <a:rPr lang="en-US" err="1">
+              <a:t>sebagai</a:t>
+            </a:r>
+            <a:r>
+              <a:rPr lang="en-US" dirty="0">
                 <a:ea typeface="+mn-lt"/>
                 <a:cs typeface="+mn-lt"/>
               </a:rPr>
-              <a:t>secara</a:t>
-            </a:r>
-            <a:r>
-              <a:rPr lang="en-US">
+              <a:t> </a:t>
+            </a:r>
+            <a:r>
+              <a:rPr lang="en-US" dirty="0" err="1">
                 <a:ea typeface="+mn-lt"/>
                 <a:cs typeface="+mn-lt"/>
               </a:rPr>
-              <a:t> </a:t>
-            </a:r>
-            <a:r>
-              <a:rPr lang="en-US" err="1">
+              <a:t>transaksi</a:t>
+            </a:r>
+            <a:r>
+              <a:rPr lang="en-US" dirty="0">
                 <a:ea typeface="+mn-lt"/>
                 <a:cs typeface="+mn-lt"/>
               </a:rPr>
-              <a:t>bersamaan</a:t>
-            </a:r>
-            <a:endParaRPr lang="en-US" err="1"/>
+              <a:t> </a:t>
+            </a:r>
+            <a:r>
+              <a:rPr lang="en-US" dirty="0" err="1">
+                <a:ea typeface="+mn-lt"/>
+                <a:cs typeface="+mn-lt"/>
+              </a:rPr>
+              <a:t>pesan</a:t>
+            </a:r>
+            <a:endParaRPr lang="en-US" dirty="0">
+              <a:ea typeface="+mn-lt"/>
+              <a:cs typeface="+mn-lt"/>
+            </a:endParaRPr>
+          </a:p>
+          <a:p>
+            <a:r>
+              <a:rPr lang="en-US" dirty="0">
+                <a:ea typeface="+mn-lt"/>
+                <a:cs typeface="+mn-lt"/>
+              </a:rPr>
+              <a:t>Select - </a:t>
+            </a:r>
+            <a:r>
+              <a:rPr lang="en-US" dirty="0" err="1">
+                <a:ea typeface="+mn-lt"/>
+                <a:cs typeface="+mn-lt"/>
+              </a:rPr>
+              <a:t>untuk</a:t>
+            </a:r>
+            <a:r>
+              <a:rPr lang="en-US" dirty="0">
+                <a:ea typeface="+mn-lt"/>
+                <a:cs typeface="+mn-lt"/>
+              </a:rPr>
+              <a:t> </a:t>
+            </a:r>
+            <a:r>
+              <a:rPr lang="en-US" dirty="0" err="1">
+                <a:ea typeface="+mn-lt"/>
+                <a:cs typeface="+mn-lt"/>
+              </a:rPr>
+              <a:t>menangani</a:t>
+            </a:r>
+            <a:r>
+              <a:rPr lang="en-US" dirty="0">
+                <a:ea typeface="+mn-lt"/>
+                <a:cs typeface="+mn-lt"/>
+              </a:rPr>
+              <a:t> </a:t>
+            </a:r>
+            <a:r>
+              <a:rPr lang="en-US" dirty="0" err="1">
+                <a:ea typeface="+mn-lt"/>
+                <a:cs typeface="+mn-lt"/>
+              </a:rPr>
+              <a:t>banyak</a:t>
+            </a:r>
+            <a:r>
+              <a:rPr lang="en-US" dirty="0">
+                <a:ea typeface="+mn-lt"/>
+                <a:cs typeface="+mn-lt"/>
+              </a:rPr>
+              <a:t> client </a:t>
+            </a:r>
+            <a:r>
+              <a:rPr lang="en-US" dirty="0" err="1">
+                <a:ea typeface="+mn-lt"/>
+                <a:cs typeface="+mn-lt"/>
+              </a:rPr>
+              <a:t>dalam</a:t>
+            </a:r>
+            <a:r>
+              <a:rPr lang="en-US" dirty="0">
+                <a:ea typeface="+mn-lt"/>
+                <a:cs typeface="+mn-lt"/>
+              </a:rPr>
+              <a:t> </a:t>
+            </a:r>
+            <a:r>
+              <a:rPr lang="en-US" dirty="0" err="1">
+                <a:ea typeface="+mn-lt"/>
+                <a:cs typeface="+mn-lt"/>
+              </a:rPr>
+              <a:t>satu</a:t>
+            </a:r>
+            <a:r>
+              <a:rPr lang="en-US" dirty="0">
+                <a:ea typeface="+mn-lt"/>
+                <a:cs typeface="+mn-lt"/>
+              </a:rPr>
+              <a:t> </a:t>
+            </a:r>
+            <a:r>
+              <a:rPr lang="en-US" dirty="0" err="1">
+                <a:ea typeface="+mn-lt"/>
+                <a:cs typeface="+mn-lt"/>
+              </a:rPr>
+              <a:t>waktu</a:t>
+            </a:r>
+            <a:endParaRPr lang="en-US" dirty="0">
+              <a:ea typeface="+mn-lt"/>
+              <a:cs typeface="+mn-lt"/>
+            </a:endParaRPr>
+          </a:p>
+          <a:p>
+            <a:endParaRPr lang="en-US" dirty="0"/>
           </a:p>
         </p:txBody>
       </p:sp>
@@ -7612,24 +7710,61 @@
           <a:lstStyle/>
           <a:p>
             <a:r>
-              <a:rPr lang="en-US"/>
-              <a:t>Socket dan Thread ( Kelompok Carlo dan Raja)</a:t>
-            </a:r>
-            <a:endParaRPr lang="en-US"/>
-          </a:p>
-          <a:p>
-            <a:r>
-              <a:rPr lang="en-US"/>
-              <a:t>HTTP Server , FTP server (Kelompok  Yusuf dan Ilham)</a:t>
-            </a:r>
-            <a:endParaRPr lang="en-US" dirty="0"/>
-          </a:p>
-          <a:p>
-            <a:r>
-              <a:rPr lang="en-US"/>
-              <a:t>Fitur chat dan GUI (Kelompok Christopher dan Alifianissa)</a:t>
-            </a:r>
-            <a:endParaRPr lang="en-US" dirty="0"/>
+              <a:rPr lang="en-US" dirty="0"/>
+              <a:t>Socket dan Thread ( </a:t>
+            </a:r>
+            <a:r>
+              <a:rPr lang="en-US" dirty="0" err="1"/>
+              <a:t>Kelompok</a:t>
+            </a:r>
+            <a:r>
+              <a:rPr lang="en-US" dirty="0"/>
+              <a:t> Carlo dan Raja)</a:t>
+            </a:r>
+          </a:p>
+          <a:p>
+            <a:r>
+              <a:rPr lang="en-US" dirty="0"/>
+              <a:t>Thread, FTP , </a:t>
+            </a:r>
+            <a:r>
+              <a:rPr lang="en-US" dirty="0" err="1"/>
+              <a:t>Gui</a:t>
+            </a:r>
+            <a:r>
+              <a:rPr lang="en-US" dirty="0"/>
+              <a:t> (</a:t>
+            </a:r>
+            <a:r>
+              <a:rPr lang="en-US" dirty="0" err="1"/>
+              <a:t>Kelompok</a:t>
+            </a:r>
+            <a:r>
+              <a:rPr lang="en-US" dirty="0"/>
+              <a:t>  Yusuf dan Ilham)</a:t>
+            </a:r>
+          </a:p>
+          <a:p>
+            <a:r>
+              <a:rPr lang="en-US" dirty="0"/>
+              <a:t>Fitur chat dan GUI (</a:t>
+            </a:r>
+            <a:r>
+              <a:rPr lang="en-US" dirty="0" err="1"/>
+              <a:t>Kelompok</a:t>
+            </a:r>
+            <a:r>
+              <a:rPr lang="en-US" dirty="0"/>
+              <a:t> Christopher dan </a:t>
+            </a:r>
+            <a:r>
+              <a:rPr lang="en-US" dirty="0" err="1"/>
+              <a:t>Alifianissa</a:t>
+            </a:r>
+            <a:r>
+              <a:rPr lang="en-US" dirty="0"/>
+              <a:t>)</a:t>
+            </a:r>
           </a:p>
           <a:p>
             <a:endParaRPr lang="en-US" dirty="0"/>
@@ -7722,7 +7857,7 @@
           <p:nvPr/>
         </p:nvPicPr>
         <p:blipFill>
-          <a:blip r:embed="rId1"/>
+          <a:blip r:embed="rId3"/>
           <a:stretch>
             <a:fillRect/>
           </a:stretch>
@@ -7806,29 +7941,67 @@
           <a:lstStyle/>
           <a:p>
             <a:r>
-              <a:rPr lang="en-US"/>
+              <a:rPr lang="en-US" dirty="0"/>
               <a:t>22 Mei :</a:t>
             </a:r>
-            <a:endParaRPr lang="en-US"/>
-          </a:p>
-          <a:p>
-            <a:r>
-              <a:rPr lang="en-US"/>
-              <a:t>Socket, thread dan http server sudah selesai dikerjakan</a:t>
+          </a:p>
+          <a:p>
+            <a:r>
+              <a:rPr lang="en-US" dirty="0"/>
+              <a:t>Socket, thread dan http server </a:t>
+            </a:r>
+            <a:r>
+              <a:rPr lang="en-US" dirty="0" err="1"/>
+              <a:t>sudah</a:t>
+            </a:r>
+            <a:r>
+              <a:rPr lang="en-US" dirty="0"/>
+              <a:t> </a:t>
+            </a:r>
+            <a:r>
+              <a:rPr lang="en-US" dirty="0" err="1"/>
+              <a:t>selesai</a:t>
+            </a:r>
+            <a:r>
+              <a:rPr lang="en-US" dirty="0"/>
+              <a:t> </a:t>
+            </a:r>
+            <a:r>
+              <a:rPr lang="en-US" dirty="0" err="1"/>
+              <a:t>dikerjakan</a:t>
             </a:r>
             <a:endParaRPr lang="en-US" dirty="0"/>
           </a:p>
           <a:p>
             <a:r>
-              <a:rPr lang="en-US"/>
+              <a:rPr lang="en-US" dirty="0"/>
               <a:t>27 Mei :</a:t>
             </a:r>
-            <a:endParaRPr lang="en-US" dirty="0"/>
-          </a:p>
-          <a:p>
-            <a:r>
-              <a:rPr lang="en-US"/>
-              <a:t>Fitur chat sudah mulai dikerjakan</a:t>
+          </a:p>
+          <a:p>
+            <a:r>
+              <a:rPr lang="en-US" dirty="0"/>
+              <a:t>Fitur chat </a:t>
+            </a:r>
+            <a:r>
+              <a:rPr lang="en-US" dirty="0" err="1"/>
+              <a:t>sudah</a:t>
+            </a:r>
+            <a:r>
+              <a:rPr lang="en-US" dirty="0"/>
+              <a:t> </a:t>
+            </a:r>
+            <a:r>
+              <a:rPr lang="en-US" dirty="0" err="1"/>
+              <a:t>mulai</a:t>
+            </a:r>
+            <a:r>
+              <a:rPr lang="en-US" dirty="0"/>
+              <a:t> </a:t>
+            </a:r>
+            <a:r>
+              <a:rPr lang="en-US" dirty="0" err="1"/>
+              <a:t>dikerjakan</a:t>
             </a:r>
             <a:endParaRPr lang="en-US" dirty="0"/>
           </a:p>
@@ -8103,6 +8276,8 @@
       </a:bgFillStyleLst>
     </a:fmtScheme>
   </a:themeElements>
+  <a:objectDefaults/>
+  <a:extraClrSchemeLst/>
   <a:extLst>
     <a:ext uri="{05A4C25C-085E-4340-85A3-A5531E510DB2}">
       <thm15:themeFamily xmlns:thm15="http://schemas.microsoft.com/office/thememl/2012/main" name="Office Theme" id="{62F939B6-93AF-4DB8-9C6B-D6C7DFDC589F}" vid="{4A3C46E8-61CC-4603-A589-7422A47A8E4A}"/>
@@ -8362,6 +8537,8 @@
       </a:bgFillStyleLst>
     </a:fmtScheme>
   </a:themeElements>
+  <a:objectDefaults/>
+  <a:extraClrSchemeLst/>
   <a:extLst>
     <a:ext uri="{05A4C25C-085E-4340-85A3-A5531E510DB2}">
       <thm15:themeFamily xmlns:thm15="http://schemas.microsoft.com/office/thememl/2012/main" name="Office Theme" id="{62F939B6-93AF-4DB8-9C6B-D6C7DFDC589F}" vid="{4A3C46E8-61CC-4603-A589-7422A47A8E4A}"/>
